--- a/文档/运行方式.pptx
+++ b/文档/运行方式.pptx
@@ -6,6 +6,9 @@
   </p:sldMasterIdLst>
   <p:sldIdLst>
     <p:sldId id="256" r:id="rId2"/>
+    <p:sldId id="258" r:id="rId3"/>
+    <p:sldId id="259" r:id="rId4"/>
+    <p:sldId id="257" r:id="rId5"/>
   </p:sldIdLst>
   <p:sldSz cx="9144000" cy="6858000" type="screen4x3"/>
   <p:notesSz cx="6858000" cy="9144000"/>
@@ -288,7 +291,7 @@
           <a:p>
             <a:fld id="{2DBF35CC-CFB1-4115-9C45-1E5B59559821}" type="datetimeFigureOut">
               <a:rPr lang="zh-CN" altLang="en-US" smtClean="0"/>
-              <a:t>2012/12/7</a:t>
+              <a:t>2012/12/23</a:t>
             </a:fld>
             <a:endParaRPr lang="zh-CN" altLang="en-US"/>
           </a:p>
@@ -458,7 +461,7 @@
           <a:p>
             <a:fld id="{2DBF35CC-CFB1-4115-9C45-1E5B59559821}" type="datetimeFigureOut">
               <a:rPr lang="zh-CN" altLang="en-US" smtClean="0"/>
-              <a:t>2012/12/7</a:t>
+              <a:t>2012/12/23</a:t>
             </a:fld>
             <a:endParaRPr lang="zh-CN" altLang="en-US"/>
           </a:p>
@@ -638,7 +641,7 @@
           <a:p>
             <a:fld id="{2DBF35CC-CFB1-4115-9C45-1E5B59559821}" type="datetimeFigureOut">
               <a:rPr lang="zh-CN" altLang="en-US" smtClean="0"/>
-              <a:t>2012/12/7</a:t>
+              <a:t>2012/12/23</a:t>
             </a:fld>
             <a:endParaRPr lang="zh-CN" altLang="en-US"/>
           </a:p>
@@ -808,7 +811,7 @@
           <a:p>
             <a:fld id="{2DBF35CC-CFB1-4115-9C45-1E5B59559821}" type="datetimeFigureOut">
               <a:rPr lang="zh-CN" altLang="en-US" smtClean="0"/>
-              <a:t>2012/12/7</a:t>
+              <a:t>2012/12/23</a:t>
             </a:fld>
             <a:endParaRPr lang="zh-CN" altLang="en-US"/>
           </a:p>
@@ -1054,7 +1057,7 @@
           <a:p>
             <a:fld id="{2DBF35CC-CFB1-4115-9C45-1E5B59559821}" type="datetimeFigureOut">
               <a:rPr lang="zh-CN" altLang="en-US" smtClean="0"/>
-              <a:t>2012/12/7</a:t>
+              <a:t>2012/12/23</a:t>
             </a:fld>
             <a:endParaRPr lang="zh-CN" altLang="en-US"/>
           </a:p>
@@ -1342,7 +1345,7 @@
           <a:p>
             <a:fld id="{2DBF35CC-CFB1-4115-9C45-1E5B59559821}" type="datetimeFigureOut">
               <a:rPr lang="zh-CN" altLang="en-US" smtClean="0"/>
-              <a:t>2012/12/7</a:t>
+              <a:t>2012/12/23</a:t>
             </a:fld>
             <a:endParaRPr lang="zh-CN" altLang="en-US"/>
           </a:p>
@@ -1764,7 +1767,7 @@
           <a:p>
             <a:fld id="{2DBF35CC-CFB1-4115-9C45-1E5B59559821}" type="datetimeFigureOut">
               <a:rPr lang="zh-CN" altLang="en-US" smtClean="0"/>
-              <a:t>2012/12/7</a:t>
+              <a:t>2012/12/23</a:t>
             </a:fld>
             <a:endParaRPr lang="zh-CN" altLang="en-US"/>
           </a:p>
@@ -1882,7 +1885,7 @@
           <a:p>
             <a:fld id="{2DBF35CC-CFB1-4115-9C45-1E5B59559821}" type="datetimeFigureOut">
               <a:rPr lang="zh-CN" altLang="en-US" smtClean="0"/>
-              <a:t>2012/12/7</a:t>
+              <a:t>2012/12/23</a:t>
             </a:fld>
             <a:endParaRPr lang="zh-CN" altLang="en-US"/>
           </a:p>
@@ -1977,7 +1980,7 @@
           <a:p>
             <a:fld id="{2DBF35CC-CFB1-4115-9C45-1E5B59559821}" type="datetimeFigureOut">
               <a:rPr lang="zh-CN" altLang="en-US" smtClean="0"/>
-              <a:t>2012/12/7</a:t>
+              <a:t>2012/12/23</a:t>
             </a:fld>
             <a:endParaRPr lang="zh-CN" altLang="en-US"/>
           </a:p>
@@ -2254,7 +2257,7 @@
           <a:p>
             <a:fld id="{2DBF35CC-CFB1-4115-9C45-1E5B59559821}" type="datetimeFigureOut">
               <a:rPr lang="zh-CN" altLang="en-US" smtClean="0"/>
-              <a:t>2012/12/7</a:t>
+              <a:t>2012/12/23</a:t>
             </a:fld>
             <a:endParaRPr lang="zh-CN" altLang="en-US"/>
           </a:p>
@@ -2507,7 +2510,7 @@
           <a:p>
             <a:fld id="{2DBF35CC-CFB1-4115-9C45-1E5B59559821}" type="datetimeFigureOut">
               <a:rPr lang="zh-CN" altLang="en-US" smtClean="0"/>
-              <a:t>2012/12/7</a:t>
+              <a:t>2012/12/23</a:t>
             </a:fld>
             <a:endParaRPr lang="zh-CN" altLang="en-US"/>
           </a:p>
@@ -2720,7 +2723,7 @@
           <a:p>
             <a:fld id="{2DBF35CC-CFB1-4115-9C45-1E5B59559821}" type="datetimeFigureOut">
               <a:rPr lang="zh-CN" altLang="en-US" smtClean="0"/>
-              <a:t>2012/12/7</a:t>
+              <a:t>2012/12/23</a:t>
             </a:fld>
             <a:endParaRPr lang="zh-CN" altLang="en-US"/>
           </a:p>
@@ -3766,6 +3769,3636 @@
 </p:sld>
 </file>
 
+<file path=ppt/slides/slide2.xml><?xml version="1.0" encoding="utf-8"?>
+<p:sld xmlns:a="http://schemas.openxmlformats.org/drawingml/2006/main" xmlns:r="http://schemas.openxmlformats.org/officeDocument/2006/relationships" xmlns:p="http://schemas.openxmlformats.org/presentationml/2006/main">
+  <p:cSld>
+    <p:spTree>
+      <p:nvGrpSpPr>
+        <p:cNvPr id="1" name=""/>
+        <p:cNvGrpSpPr/>
+        <p:nvPr/>
+      </p:nvGrpSpPr>
+      <p:grpSpPr>
+        <a:xfrm>
+          <a:off x="0" y="0"/>
+          <a:ext cx="0" cy="0"/>
+          <a:chOff x="0" y="0"/>
+          <a:chExt cx="0" cy="0"/>
+        </a:xfrm>
+      </p:grpSpPr>
+      <p:sp>
+        <p:nvSpPr>
+          <p:cNvPr id="2" name="Rounded Rectangle 1"/>
+          <p:cNvSpPr/>
+          <p:nvPr/>
+        </p:nvSpPr>
+        <p:spPr>
+          <a:xfrm>
+            <a:off x="1905797" y="4409193"/>
+            <a:ext cx="6678743" cy="1152128"/>
+          </a:xfrm>
+          <a:prstGeom prst="roundRect">
+            <a:avLst/>
+          </a:prstGeom>
+        </p:spPr>
+        <p:style>
+          <a:lnRef idx="2">
+            <a:schemeClr val="accent1">
+              <a:shade val="50000"/>
+            </a:schemeClr>
+          </a:lnRef>
+          <a:fillRef idx="1">
+            <a:schemeClr val="accent1"/>
+          </a:fillRef>
+          <a:effectRef idx="0">
+            <a:schemeClr val="accent1"/>
+          </a:effectRef>
+          <a:fontRef idx="minor">
+            <a:schemeClr val="lt1"/>
+          </a:fontRef>
+        </p:style>
+        <p:txBody>
+          <a:bodyPr rtlCol="0" anchor="ctr"/>
+          <a:lstStyle/>
+          <a:p>
+            <a:pPr algn="ctr"/>
+            <a:endParaRPr lang="zh-CN" altLang="en-US"/>
+          </a:p>
+        </p:txBody>
+      </p:sp>
+      <p:sp>
+        <p:nvSpPr>
+          <p:cNvPr id="4" name="Rounded Rectangle 3"/>
+          <p:cNvSpPr/>
+          <p:nvPr/>
+        </p:nvSpPr>
+        <p:spPr>
+          <a:xfrm>
+            <a:off x="1905797" y="952809"/>
+            <a:ext cx="6678743" cy="3312368"/>
+          </a:xfrm>
+          <a:prstGeom prst="roundRect">
+            <a:avLst/>
+          </a:prstGeom>
+        </p:spPr>
+        <p:style>
+          <a:lnRef idx="2">
+            <a:schemeClr val="accent1">
+              <a:shade val="50000"/>
+            </a:schemeClr>
+          </a:lnRef>
+          <a:fillRef idx="1">
+            <a:schemeClr val="accent1"/>
+          </a:fillRef>
+          <a:effectRef idx="0">
+            <a:schemeClr val="accent1"/>
+          </a:effectRef>
+          <a:fontRef idx="minor">
+            <a:schemeClr val="lt1"/>
+          </a:fontRef>
+        </p:style>
+        <p:txBody>
+          <a:bodyPr rtlCol="0" anchor="ctr"/>
+          <a:lstStyle/>
+          <a:p>
+            <a:pPr algn="ctr"/>
+            <a:r>
+              <a:rPr lang="en-US" altLang="zh-CN" sz="3200" b="1" dirty="0" smtClean="0"/>
+              <a:t>AutoCAD</a:t>
+            </a:r>
+            <a:endParaRPr lang="en-US" altLang="zh-CN" sz="2400" b="1" dirty="0" smtClean="0"/>
+          </a:p>
+          <a:p>
+            <a:pPr algn="ctr"/>
+            <a:endParaRPr lang="en-US" altLang="zh-CN" sz="2400" b="1" dirty="0"/>
+          </a:p>
+          <a:p>
+            <a:pPr algn="ctr"/>
+            <a:endParaRPr lang="en-US" altLang="zh-CN" sz="2400" b="1" dirty="0" smtClean="0"/>
+          </a:p>
+          <a:p>
+            <a:pPr algn="ctr"/>
+            <a:endParaRPr lang="en-US" altLang="zh-CN" dirty="0"/>
+          </a:p>
+          <a:p>
+            <a:pPr algn="ctr"/>
+            <a:endParaRPr lang="en-US" altLang="zh-CN" dirty="0" smtClean="0"/>
+          </a:p>
+          <a:p>
+            <a:pPr algn="ctr"/>
+            <a:endParaRPr lang="en-US" altLang="zh-CN" dirty="0"/>
+          </a:p>
+          <a:p>
+            <a:pPr algn="ctr"/>
+            <a:endParaRPr lang="en-US" altLang="zh-CN" dirty="0" smtClean="0"/>
+          </a:p>
+          <a:p>
+            <a:pPr algn="ctr"/>
+            <a:endParaRPr lang="en-US" altLang="zh-CN" dirty="0"/>
+          </a:p>
+          <a:p>
+            <a:pPr algn="ctr"/>
+            <a:endParaRPr lang="en-US" altLang="zh-CN" dirty="0" smtClean="0"/>
+          </a:p>
+          <a:p>
+            <a:pPr algn="ctr"/>
+            <a:endParaRPr lang="en-US" altLang="zh-CN" dirty="0"/>
+          </a:p>
+        </p:txBody>
+      </p:sp>
+      <p:sp>
+        <p:nvSpPr>
+          <p:cNvPr id="5" name="Rounded Rectangle 4"/>
+          <p:cNvSpPr/>
+          <p:nvPr/>
+        </p:nvSpPr>
+        <p:spPr>
+          <a:xfrm>
+            <a:off x="3309954" y="1692420"/>
+            <a:ext cx="3222358" cy="2107023"/>
+          </a:xfrm>
+          <a:prstGeom prst="roundRect">
+            <a:avLst/>
+          </a:prstGeom>
+        </p:spPr>
+        <p:style>
+          <a:lnRef idx="1">
+            <a:schemeClr val="accent3"/>
+          </a:lnRef>
+          <a:fillRef idx="2">
+            <a:schemeClr val="accent3"/>
+          </a:fillRef>
+          <a:effectRef idx="1">
+            <a:schemeClr val="accent3"/>
+          </a:effectRef>
+          <a:fontRef idx="minor">
+            <a:schemeClr val="dk1"/>
+          </a:fontRef>
+        </p:style>
+        <p:txBody>
+          <a:bodyPr rtlCol="0" anchor="ctr"/>
+          <a:lstStyle/>
+          <a:p>
+            <a:pPr algn="ctr"/>
+            <a:r>
+              <a:rPr lang="zh-CN" altLang="en-US" sz="2000" b="1" dirty="0"/>
+              <a:t>决</a:t>
+            </a:r>
+            <a:r>
+              <a:rPr lang="zh-CN" altLang="en-US" sz="2000" b="1" dirty="0" smtClean="0"/>
+              <a:t>策辅助系统</a:t>
+            </a:r>
+            <a:endParaRPr lang="en-US" altLang="zh-CN" sz="2000" b="1" dirty="0" smtClean="0"/>
+          </a:p>
+          <a:p>
+            <a:pPr algn="ctr"/>
+            <a:endParaRPr lang="en-US" altLang="zh-CN" dirty="0"/>
+          </a:p>
+          <a:p>
+            <a:pPr algn="ctr"/>
+            <a:endParaRPr lang="en-US" altLang="zh-CN" dirty="0" smtClean="0"/>
+          </a:p>
+          <a:p>
+            <a:pPr algn="ctr"/>
+            <a:endParaRPr lang="en-US" altLang="zh-CN" dirty="0"/>
+          </a:p>
+          <a:p>
+            <a:pPr algn="ctr"/>
+            <a:endParaRPr lang="en-US" altLang="zh-CN" dirty="0" smtClean="0"/>
+          </a:p>
+          <a:p>
+            <a:pPr algn="ctr"/>
+            <a:endParaRPr lang="zh-CN" altLang="en-US" dirty="0"/>
+          </a:p>
+        </p:txBody>
+      </p:sp>
+      <p:sp>
+        <p:nvSpPr>
+          <p:cNvPr id="6" name="Rounded Rectangle 5"/>
+          <p:cNvSpPr/>
+          <p:nvPr/>
+        </p:nvSpPr>
+        <p:spPr>
+          <a:xfrm>
+            <a:off x="1981194" y="1692420"/>
+            <a:ext cx="720080" cy="629936"/>
+          </a:xfrm>
+          <a:prstGeom prst="roundRect">
+            <a:avLst/>
+          </a:prstGeom>
+        </p:spPr>
+        <p:style>
+          <a:lnRef idx="1">
+            <a:schemeClr val="accent4"/>
+          </a:lnRef>
+          <a:fillRef idx="2">
+            <a:schemeClr val="accent4"/>
+          </a:fillRef>
+          <a:effectRef idx="1">
+            <a:schemeClr val="accent4"/>
+          </a:effectRef>
+          <a:fontRef idx="minor">
+            <a:schemeClr val="dk1"/>
+          </a:fontRef>
+        </p:style>
+        <p:txBody>
+          <a:bodyPr rtlCol="0" anchor="ctr"/>
+          <a:lstStyle/>
+          <a:p>
+            <a:pPr algn="ctr"/>
+            <a:r>
+              <a:rPr lang="zh-CN" altLang="en-US" dirty="0" smtClean="0"/>
+              <a:t>菜单</a:t>
+            </a:r>
+            <a:endParaRPr lang="zh-CN" altLang="en-US" dirty="0"/>
+          </a:p>
+        </p:txBody>
+      </p:sp>
+      <p:sp>
+        <p:nvSpPr>
+          <p:cNvPr id="7" name="Rounded Rectangle 6"/>
+          <p:cNvSpPr/>
+          <p:nvPr/>
+        </p:nvSpPr>
+        <p:spPr>
+          <a:xfrm>
+            <a:off x="7134571" y="3079702"/>
+            <a:ext cx="1269949" cy="720080"/>
+          </a:xfrm>
+          <a:prstGeom prst="roundRect">
+            <a:avLst/>
+          </a:prstGeom>
+        </p:spPr>
+        <p:style>
+          <a:lnRef idx="1">
+            <a:schemeClr val="accent5"/>
+          </a:lnRef>
+          <a:fillRef idx="2">
+            <a:schemeClr val="accent5"/>
+          </a:fillRef>
+          <a:effectRef idx="1">
+            <a:schemeClr val="accent5"/>
+          </a:effectRef>
+          <a:fontRef idx="minor">
+            <a:schemeClr val="dk1"/>
+          </a:fontRef>
+        </p:style>
+        <p:txBody>
+          <a:bodyPr rtlCol="0" anchor="ctr"/>
+          <a:lstStyle/>
+          <a:p>
+            <a:pPr algn="ctr"/>
+            <a:r>
+              <a:rPr lang="en-US" altLang="zh-CN" dirty="0" smtClean="0"/>
+              <a:t>AutoCAD</a:t>
+            </a:r>
+          </a:p>
+          <a:p>
+            <a:pPr algn="ctr"/>
+            <a:r>
+              <a:rPr lang="zh-CN" altLang="en-US" dirty="0"/>
+              <a:t>编</a:t>
+            </a:r>
+            <a:r>
+              <a:rPr lang="zh-CN" altLang="en-US" dirty="0" smtClean="0"/>
+              <a:t>辑系统</a:t>
+            </a:r>
+            <a:endParaRPr lang="zh-CN" altLang="en-US" dirty="0"/>
+          </a:p>
+        </p:txBody>
+      </p:sp>
+      <p:sp>
+        <p:nvSpPr>
+          <p:cNvPr id="8" name="Rounded Rectangle 7"/>
+          <p:cNvSpPr/>
+          <p:nvPr/>
+        </p:nvSpPr>
+        <p:spPr>
+          <a:xfrm>
+            <a:off x="4532129" y="2723796"/>
+            <a:ext cx="828092" cy="624280"/>
+          </a:xfrm>
+          <a:prstGeom prst="roundRect">
+            <a:avLst/>
+          </a:prstGeom>
+        </p:spPr>
+        <p:style>
+          <a:lnRef idx="2">
+            <a:schemeClr val="accent1">
+              <a:shade val="50000"/>
+            </a:schemeClr>
+          </a:lnRef>
+          <a:fillRef idx="1">
+            <a:schemeClr val="accent1"/>
+          </a:fillRef>
+          <a:effectRef idx="0">
+            <a:schemeClr val="accent1"/>
+          </a:effectRef>
+          <a:fontRef idx="minor">
+            <a:schemeClr val="lt1"/>
+          </a:fontRef>
+        </p:style>
+        <p:txBody>
+          <a:bodyPr rtlCol="0" anchor="ctr"/>
+          <a:lstStyle/>
+          <a:p>
+            <a:pPr algn="ctr"/>
+            <a:r>
+              <a:rPr lang="zh-CN" altLang="en-US" dirty="0"/>
+              <a:t>管</a:t>
+            </a:r>
+            <a:r>
+              <a:rPr lang="zh-CN" altLang="en-US" dirty="0" smtClean="0"/>
+              <a:t>线录入</a:t>
+            </a:r>
+            <a:endParaRPr lang="en-US" altLang="zh-CN" dirty="0" smtClean="0"/>
+          </a:p>
+        </p:txBody>
+      </p:sp>
+      <p:sp>
+        <p:nvSpPr>
+          <p:cNvPr id="9" name="Rounded Rectangle 8"/>
+          <p:cNvSpPr/>
+          <p:nvPr/>
+        </p:nvSpPr>
+        <p:spPr>
+          <a:xfrm>
+            <a:off x="4004936" y="4775000"/>
+            <a:ext cx="1832393" cy="540060"/>
+          </a:xfrm>
+          <a:prstGeom prst="roundRect">
+            <a:avLst/>
+          </a:prstGeom>
+        </p:spPr>
+        <p:style>
+          <a:lnRef idx="1">
+            <a:schemeClr val="accent6"/>
+          </a:lnRef>
+          <a:fillRef idx="2">
+            <a:schemeClr val="accent6"/>
+          </a:fillRef>
+          <a:effectRef idx="1">
+            <a:schemeClr val="accent6"/>
+          </a:effectRef>
+          <a:fontRef idx="minor">
+            <a:schemeClr val="dk1"/>
+          </a:fontRef>
+        </p:style>
+        <p:txBody>
+          <a:bodyPr rtlCol="0" anchor="ctr"/>
+          <a:lstStyle/>
+          <a:p>
+            <a:pPr algn="ctr"/>
+            <a:r>
+              <a:rPr lang="zh-CN" altLang="en-US" dirty="0"/>
+              <a:t>配</a:t>
+            </a:r>
+            <a:r>
+              <a:rPr lang="zh-CN" altLang="en-US" dirty="0" smtClean="0"/>
+              <a:t>置</a:t>
+            </a:r>
+            <a:r>
+              <a:rPr lang="en-US" altLang="zh-CN" dirty="0" smtClean="0"/>
+              <a:t>/</a:t>
+            </a:r>
+            <a:r>
+              <a:rPr lang="zh-CN" altLang="en-US" dirty="0" smtClean="0"/>
+              <a:t>数据</a:t>
+            </a:r>
+            <a:r>
+              <a:rPr lang="en-US" altLang="zh-CN" dirty="0" smtClean="0"/>
+              <a:t>/</a:t>
+            </a:r>
+            <a:r>
+              <a:rPr lang="zh-CN" altLang="en-US" dirty="0" smtClean="0"/>
+              <a:t>图层</a:t>
+            </a:r>
+            <a:endParaRPr lang="en-US" altLang="zh-CN" dirty="0"/>
+          </a:p>
+        </p:txBody>
+      </p:sp>
+      <p:sp>
+        <p:nvSpPr>
+          <p:cNvPr id="11" name="Rounded Rectangle 10"/>
+          <p:cNvSpPr/>
+          <p:nvPr/>
+        </p:nvSpPr>
+        <p:spPr>
+          <a:xfrm>
+            <a:off x="7229485" y="4775000"/>
+            <a:ext cx="1080120" cy="545828"/>
+          </a:xfrm>
+          <a:prstGeom prst="roundRect">
+            <a:avLst/>
+          </a:prstGeom>
+        </p:spPr>
+        <p:style>
+          <a:lnRef idx="1">
+            <a:schemeClr val="accent6"/>
+          </a:lnRef>
+          <a:fillRef idx="2">
+            <a:schemeClr val="accent6"/>
+          </a:fillRef>
+          <a:effectRef idx="1">
+            <a:schemeClr val="accent6"/>
+          </a:effectRef>
+          <a:fontRef idx="minor">
+            <a:schemeClr val="dk1"/>
+          </a:fontRef>
+        </p:style>
+        <p:txBody>
+          <a:bodyPr rtlCol="0" anchor="ctr"/>
+          <a:lstStyle/>
+          <a:p>
+            <a:pPr algn="ctr"/>
+            <a:r>
+              <a:rPr lang="zh-CN" altLang="en-US" sz="2800" b="1" dirty="0" smtClean="0"/>
+              <a:t>打</a:t>
+            </a:r>
+            <a:r>
+              <a:rPr lang="zh-CN" altLang="en-US" sz="2800" b="1" dirty="0" smtClean="0"/>
+              <a:t>印</a:t>
+            </a:r>
+            <a:endParaRPr lang="en-US" altLang="zh-CN" sz="2800" b="1" dirty="0" smtClean="0"/>
+          </a:p>
+        </p:txBody>
+      </p:sp>
+      <p:sp>
+        <p:nvSpPr>
+          <p:cNvPr id="12" name="Left-Right Arrow 11"/>
+          <p:cNvSpPr/>
+          <p:nvPr/>
+        </p:nvSpPr>
+        <p:spPr>
+          <a:xfrm>
+            <a:off x="6051162" y="4910409"/>
+            <a:ext cx="962299" cy="269241"/>
+          </a:xfrm>
+          <a:prstGeom prst="leftRightArrow">
+            <a:avLst/>
+          </a:prstGeom>
+        </p:spPr>
+        <p:style>
+          <a:lnRef idx="1">
+            <a:schemeClr val="dk1"/>
+          </a:lnRef>
+          <a:fillRef idx="2">
+            <a:schemeClr val="dk1"/>
+          </a:fillRef>
+          <a:effectRef idx="1">
+            <a:schemeClr val="dk1"/>
+          </a:effectRef>
+          <a:fontRef idx="minor">
+            <a:schemeClr val="dk1"/>
+          </a:fontRef>
+        </p:style>
+        <p:txBody>
+          <a:bodyPr rtlCol="0" anchor="ctr"/>
+          <a:lstStyle/>
+          <a:p>
+            <a:pPr algn="ctr"/>
+            <a:endParaRPr lang="zh-CN" altLang="en-US"/>
+          </a:p>
+        </p:txBody>
+      </p:sp>
+      <p:sp>
+        <p:nvSpPr>
+          <p:cNvPr id="13" name="Up-Down Arrow 12"/>
+          <p:cNvSpPr/>
+          <p:nvPr/>
+        </p:nvSpPr>
+        <p:spPr>
+          <a:xfrm>
+            <a:off x="4768116" y="3521606"/>
+            <a:ext cx="306034" cy="1175619"/>
+          </a:xfrm>
+          <a:prstGeom prst="upDownArrow">
+            <a:avLst/>
+          </a:prstGeom>
+        </p:spPr>
+        <p:style>
+          <a:lnRef idx="1">
+            <a:schemeClr val="dk1"/>
+          </a:lnRef>
+          <a:fillRef idx="2">
+            <a:schemeClr val="dk1"/>
+          </a:fillRef>
+          <a:effectRef idx="1">
+            <a:schemeClr val="dk1"/>
+          </a:effectRef>
+          <a:fontRef idx="minor">
+            <a:schemeClr val="dk1"/>
+          </a:fontRef>
+        </p:style>
+        <p:txBody>
+          <a:bodyPr rtlCol="0" anchor="ctr"/>
+          <a:lstStyle/>
+          <a:p>
+            <a:pPr algn="ctr"/>
+            <a:endParaRPr lang="zh-CN" altLang="en-US"/>
+          </a:p>
+        </p:txBody>
+      </p:sp>
+      <p:sp>
+        <p:nvSpPr>
+          <p:cNvPr id="14" name="Rounded Rectangle 13"/>
+          <p:cNvSpPr/>
+          <p:nvPr/>
+        </p:nvSpPr>
+        <p:spPr>
+          <a:xfrm>
+            <a:off x="5523652" y="2723796"/>
+            <a:ext cx="828092" cy="624280"/>
+          </a:xfrm>
+          <a:prstGeom prst="roundRect">
+            <a:avLst/>
+          </a:prstGeom>
+        </p:spPr>
+        <p:style>
+          <a:lnRef idx="2">
+            <a:schemeClr val="accent1">
+              <a:shade val="50000"/>
+            </a:schemeClr>
+          </a:lnRef>
+          <a:fillRef idx="1">
+            <a:schemeClr val="accent1"/>
+          </a:fillRef>
+          <a:effectRef idx="0">
+            <a:schemeClr val="accent1"/>
+          </a:effectRef>
+          <a:fontRef idx="minor">
+            <a:schemeClr val="lt1"/>
+          </a:fontRef>
+        </p:style>
+        <p:txBody>
+          <a:bodyPr rtlCol="0" anchor="ctr"/>
+          <a:lstStyle/>
+          <a:p>
+            <a:pPr algn="ctr"/>
+            <a:r>
+              <a:rPr lang="zh-CN" altLang="en-US" dirty="0" smtClean="0"/>
+              <a:t>辅助操作</a:t>
+            </a:r>
+            <a:endParaRPr lang="en-US" altLang="zh-CN" dirty="0" smtClean="0"/>
+          </a:p>
+        </p:txBody>
+      </p:sp>
+      <p:sp>
+        <p:nvSpPr>
+          <p:cNvPr id="15" name="Left-Right Arrow 14"/>
+          <p:cNvSpPr/>
+          <p:nvPr/>
+        </p:nvSpPr>
+        <p:spPr>
+          <a:xfrm>
+            <a:off x="2769894" y="1881509"/>
+            <a:ext cx="450050" cy="314968"/>
+          </a:xfrm>
+          <a:prstGeom prst="leftRightArrow">
+            <a:avLst/>
+          </a:prstGeom>
+        </p:spPr>
+        <p:style>
+          <a:lnRef idx="1">
+            <a:schemeClr val="dk1"/>
+          </a:lnRef>
+          <a:fillRef idx="2">
+            <a:schemeClr val="dk1"/>
+          </a:fillRef>
+          <a:effectRef idx="1">
+            <a:schemeClr val="dk1"/>
+          </a:effectRef>
+          <a:fontRef idx="minor">
+            <a:schemeClr val="dk1"/>
+          </a:fontRef>
+        </p:style>
+        <p:txBody>
+          <a:bodyPr rtlCol="0" anchor="ctr"/>
+          <a:lstStyle/>
+          <a:p>
+            <a:pPr algn="ctr"/>
+            <a:endParaRPr lang="zh-CN" altLang="en-US"/>
+          </a:p>
+        </p:txBody>
+      </p:sp>
+      <p:sp>
+        <p:nvSpPr>
+          <p:cNvPr id="16" name="Left-Right Arrow 15"/>
+          <p:cNvSpPr/>
+          <p:nvPr/>
+        </p:nvSpPr>
+        <p:spPr>
+          <a:xfrm>
+            <a:off x="6599348" y="3282258"/>
+            <a:ext cx="450050" cy="314968"/>
+          </a:xfrm>
+          <a:prstGeom prst="leftRightArrow">
+            <a:avLst/>
+          </a:prstGeom>
+        </p:spPr>
+        <p:style>
+          <a:lnRef idx="1">
+            <a:schemeClr val="dk1"/>
+          </a:lnRef>
+          <a:fillRef idx="2">
+            <a:schemeClr val="dk1"/>
+          </a:fillRef>
+          <a:effectRef idx="1">
+            <a:schemeClr val="dk1"/>
+          </a:effectRef>
+          <a:fontRef idx="minor">
+            <a:schemeClr val="dk1"/>
+          </a:fontRef>
+        </p:style>
+        <p:txBody>
+          <a:bodyPr rtlCol="0" anchor="ctr"/>
+          <a:lstStyle/>
+          <a:p>
+            <a:pPr algn="ctr"/>
+            <a:endParaRPr lang="zh-CN" altLang="en-US"/>
+          </a:p>
+        </p:txBody>
+      </p:sp>
+      <p:sp>
+        <p:nvSpPr>
+          <p:cNvPr id="18" name="Rounded Rectangle 17"/>
+          <p:cNvSpPr/>
+          <p:nvPr/>
+        </p:nvSpPr>
+        <p:spPr>
+          <a:xfrm>
+            <a:off x="3516977" y="2732276"/>
+            <a:ext cx="828092" cy="624280"/>
+          </a:xfrm>
+          <a:prstGeom prst="roundRect">
+            <a:avLst/>
+          </a:prstGeom>
+        </p:spPr>
+        <p:style>
+          <a:lnRef idx="2">
+            <a:schemeClr val="accent1">
+              <a:shade val="50000"/>
+            </a:schemeClr>
+          </a:lnRef>
+          <a:fillRef idx="1">
+            <a:schemeClr val="accent1"/>
+          </a:fillRef>
+          <a:effectRef idx="0">
+            <a:schemeClr val="accent1"/>
+          </a:effectRef>
+          <a:fontRef idx="minor">
+            <a:schemeClr val="lt1"/>
+          </a:fontRef>
+        </p:style>
+        <p:txBody>
+          <a:bodyPr rtlCol="0" anchor="ctr"/>
+          <a:lstStyle/>
+          <a:p>
+            <a:pPr algn="ctr"/>
+            <a:r>
+              <a:rPr lang="zh-CN" altLang="en-US" dirty="0" smtClean="0"/>
+              <a:t>数据配置</a:t>
+            </a:r>
+            <a:endParaRPr lang="en-US" altLang="zh-CN" dirty="0" smtClean="0"/>
+          </a:p>
+        </p:txBody>
+      </p:sp>
+      <p:sp>
+        <p:nvSpPr>
+          <p:cNvPr id="21" name="Up-Down Arrow 20"/>
+          <p:cNvSpPr/>
+          <p:nvPr/>
+        </p:nvSpPr>
+        <p:spPr>
+          <a:xfrm>
+            <a:off x="7616528" y="3872296"/>
+            <a:ext cx="306034" cy="824930"/>
+          </a:xfrm>
+          <a:prstGeom prst="upDownArrow">
+            <a:avLst/>
+          </a:prstGeom>
+        </p:spPr>
+        <p:style>
+          <a:lnRef idx="1">
+            <a:schemeClr val="dk1"/>
+          </a:lnRef>
+          <a:fillRef idx="2">
+            <a:schemeClr val="dk1"/>
+          </a:fillRef>
+          <a:effectRef idx="1">
+            <a:schemeClr val="dk1"/>
+          </a:effectRef>
+          <a:fontRef idx="minor">
+            <a:schemeClr val="dk1"/>
+          </a:fontRef>
+        </p:style>
+        <p:txBody>
+          <a:bodyPr rtlCol="0" anchor="ctr"/>
+          <a:lstStyle/>
+          <a:p>
+            <a:pPr algn="ctr"/>
+            <a:endParaRPr lang="zh-CN" altLang="en-US"/>
+          </a:p>
+        </p:txBody>
+      </p:sp>
+      <p:sp>
+        <p:nvSpPr>
+          <p:cNvPr id="23" name="Rounded Rectangle 22"/>
+          <p:cNvSpPr/>
+          <p:nvPr/>
+        </p:nvSpPr>
+        <p:spPr>
+          <a:xfrm>
+            <a:off x="1979712" y="3124774"/>
+            <a:ext cx="768283" cy="629936"/>
+          </a:xfrm>
+          <a:prstGeom prst="roundRect">
+            <a:avLst/>
+          </a:prstGeom>
+        </p:spPr>
+        <p:style>
+          <a:lnRef idx="1">
+            <a:schemeClr val="accent4"/>
+          </a:lnRef>
+          <a:fillRef idx="2">
+            <a:schemeClr val="accent4"/>
+          </a:fillRef>
+          <a:effectRef idx="1">
+            <a:schemeClr val="accent4"/>
+          </a:effectRef>
+          <a:fontRef idx="minor">
+            <a:schemeClr val="dk1"/>
+          </a:fontRef>
+        </p:style>
+        <p:txBody>
+          <a:bodyPr rtlCol="0" anchor="ctr"/>
+          <a:lstStyle/>
+          <a:p>
+            <a:pPr algn="ctr"/>
+            <a:r>
+              <a:rPr lang="zh-CN" altLang="en-US" dirty="0" smtClean="0"/>
+              <a:t>对话框</a:t>
+            </a:r>
+            <a:endParaRPr lang="zh-CN" altLang="en-US" dirty="0"/>
+          </a:p>
+        </p:txBody>
+      </p:sp>
+      <p:sp>
+        <p:nvSpPr>
+          <p:cNvPr id="24" name="Left-Right Arrow 23"/>
+          <p:cNvSpPr/>
+          <p:nvPr/>
+        </p:nvSpPr>
+        <p:spPr>
+          <a:xfrm>
+            <a:off x="2767650" y="3265471"/>
+            <a:ext cx="450050" cy="314968"/>
+          </a:xfrm>
+          <a:prstGeom prst="leftRightArrow">
+            <a:avLst/>
+          </a:prstGeom>
+        </p:spPr>
+        <p:style>
+          <a:lnRef idx="1">
+            <a:schemeClr val="dk1"/>
+          </a:lnRef>
+          <a:fillRef idx="2">
+            <a:schemeClr val="dk1"/>
+          </a:fillRef>
+          <a:effectRef idx="1">
+            <a:schemeClr val="dk1"/>
+          </a:effectRef>
+          <a:fontRef idx="minor">
+            <a:schemeClr val="dk1"/>
+          </a:fontRef>
+        </p:style>
+        <p:txBody>
+          <a:bodyPr rtlCol="0" anchor="ctr"/>
+          <a:lstStyle/>
+          <a:p>
+            <a:pPr algn="ctr"/>
+            <a:endParaRPr lang="zh-CN" altLang="en-US"/>
+          </a:p>
+        </p:txBody>
+      </p:sp>
+    </p:spTree>
+    <p:extLst>
+      <p:ext uri="{BB962C8B-B14F-4D97-AF65-F5344CB8AC3E}">
+        <p14:creationId xmlns:p14="http://schemas.microsoft.com/office/powerpoint/2010/main" val="446664991"/>
+      </p:ext>
+    </p:extLst>
+  </p:cSld>
+  <p:clrMapOvr>
+    <a:masterClrMapping/>
+  </p:clrMapOvr>
+</p:sld>
+</file>
+
+<file path=ppt/slides/slide3.xml><?xml version="1.0" encoding="utf-8"?>
+<p:sld xmlns:a="http://schemas.openxmlformats.org/drawingml/2006/main" xmlns:r="http://schemas.openxmlformats.org/officeDocument/2006/relationships" xmlns:p="http://schemas.openxmlformats.org/presentationml/2006/main">
+  <p:cSld>
+    <p:spTree>
+      <p:nvGrpSpPr>
+        <p:cNvPr id="1" name=""/>
+        <p:cNvGrpSpPr/>
+        <p:nvPr/>
+      </p:nvGrpSpPr>
+      <p:grpSpPr>
+        <a:xfrm>
+          <a:off x="0" y="0"/>
+          <a:ext cx="0" cy="0"/>
+          <a:chOff x="0" y="0"/>
+          <a:chExt cx="0" cy="0"/>
+        </a:xfrm>
+      </p:grpSpPr>
+      <p:grpSp>
+        <p:nvGrpSpPr>
+          <p:cNvPr id="45" name="Group 44"/>
+          <p:cNvGrpSpPr/>
+          <p:nvPr/>
+        </p:nvGrpSpPr>
+        <p:grpSpPr>
+          <a:xfrm>
+            <a:off x="0" y="846618"/>
+            <a:ext cx="8991894" cy="3672408"/>
+            <a:chOff x="0" y="846618"/>
+            <a:chExt cx="8991894" cy="3672408"/>
+          </a:xfrm>
+        </p:grpSpPr>
+        <p:grpSp>
+          <p:nvGrpSpPr>
+            <p:cNvPr id="24" name="Group 23"/>
+            <p:cNvGrpSpPr/>
+            <p:nvPr/>
+          </p:nvGrpSpPr>
+          <p:grpSpPr>
+            <a:xfrm>
+              <a:off x="5292080" y="1529591"/>
+              <a:ext cx="1746291" cy="638936"/>
+              <a:chOff x="7020272" y="1340768"/>
+              <a:chExt cx="1386251" cy="908999"/>
+            </a:xfrm>
+          </p:grpSpPr>
+          <p:sp>
+            <p:nvSpPr>
+              <p:cNvPr id="4" name="Rounded Rectangle 3"/>
+              <p:cNvSpPr/>
+              <p:nvPr/>
+            </p:nvSpPr>
+            <p:spPr>
+              <a:xfrm>
+                <a:off x="7020272" y="1340768"/>
+                <a:ext cx="1386251" cy="908999"/>
+              </a:xfrm>
+              <a:prstGeom prst="roundRect">
+                <a:avLst/>
+              </a:prstGeom>
+            </p:spPr>
+            <p:style>
+              <a:lnRef idx="2">
+                <a:schemeClr val="accent1">
+                  <a:shade val="50000"/>
+                </a:schemeClr>
+              </a:lnRef>
+              <a:fillRef idx="1">
+                <a:schemeClr val="accent1"/>
+              </a:fillRef>
+              <a:effectRef idx="0">
+                <a:schemeClr val="accent1"/>
+              </a:effectRef>
+              <a:fontRef idx="minor">
+                <a:schemeClr val="lt1"/>
+              </a:fontRef>
+            </p:style>
+            <p:txBody>
+              <a:bodyPr rtlCol="0" anchor="ctr"/>
+              <a:lstStyle/>
+              <a:p>
+                <a:pPr algn="ctr"/>
+                <a:r>
+                  <a:rPr lang="zh-CN" altLang="en-US" sz="1400" dirty="0" smtClean="0"/>
+                  <a:t>配置文件</a:t>
+                </a:r>
+                <a:endParaRPr lang="en-US" altLang="zh-CN" sz="1400" dirty="0"/>
+              </a:p>
+              <a:p>
+                <a:pPr algn="ctr"/>
+                <a:endParaRPr lang="zh-CN" altLang="en-US" sz="1400" dirty="0"/>
+              </a:p>
+            </p:txBody>
+          </p:sp>
+          <p:sp>
+            <p:nvSpPr>
+              <p:cNvPr id="5" name="Rounded Rectangle 4"/>
+              <p:cNvSpPr/>
+              <p:nvPr/>
+            </p:nvSpPr>
+            <p:spPr>
+              <a:xfrm>
+                <a:off x="7110380" y="1812278"/>
+                <a:ext cx="1206036" cy="384497"/>
+              </a:xfrm>
+              <a:prstGeom prst="roundRect">
+                <a:avLst/>
+              </a:prstGeom>
+            </p:spPr>
+            <p:style>
+              <a:lnRef idx="1">
+                <a:schemeClr val="accent6"/>
+              </a:lnRef>
+              <a:fillRef idx="2">
+                <a:schemeClr val="accent6"/>
+              </a:fillRef>
+              <a:effectRef idx="1">
+                <a:schemeClr val="accent6"/>
+              </a:effectRef>
+              <a:fontRef idx="minor">
+                <a:schemeClr val="dk1"/>
+              </a:fontRef>
+            </p:style>
+            <p:txBody>
+              <a:bodyPr rtlCol="0" anchor="ctr"/>
+              <a:lstStyle/>
+              <a:p>
+                <a:pPr algn="ctr"/>
+                <a:r>
+                  <a:rPr lang="en-US" altLang="zh-CN" sz="1400" dirty="0" smtClean="0"/>
+                  <a:t>XML</a:t>
+                </a:r>
+                <a:r>
+                  <a:rPr lang="zh-CN" altLang="en-US" sz="1400" dirty="0" smtClean="0"/>
+                  <a:t>文</a:t>
+                </a:r>
+                <a:r>
+                  <a:rPr lang="zh-CN" altLang="en-US" sz="1400" dirty="0"/>
+                  <a:t>本</a:t>
+                </a:r>
+                <a:endParaRPr lang="zh-CN" altLang="en-US" sz="1400" dirty="0"/>
+              </a:p>
+            </p:txBody>
+          </p:sp>
+        </p:grpSp>
+        <p:sp>
+          <p:nvSpPr>
+            <p:cNvPr id="6" name="Rounded Rectangle 5"/>
+            <p:cNvSpPr/>
+            <p:nvPr/>
+          </p:nvSpPr>
+          <p:spPr>
+            <a:xfrm>
+              <a:off x="2990229" y="846618"/>
+              <a:ext cx="1898281" cy="3672408"/>
+            </a:xfrm>
+            <a:prstGeom prst="roundRect">
+              <a:avLst/>
+            </a:prstGeom>
+          </p:spPr>
+          <p:style>
+            <a:lnRef idx="1">
+              <a:schemeClr val="accent3"/>
+            </a:lnRef>
+            <a:fillRef idx="2">
+              <a:schemeClr val="accent3"/>
+            </a:fillRef>
+            <a:effectRef idx="1">
+              <a:schemeClr val="accent3"/>
+            </a:effectRef>
+            <a:fontRef idx="minor">
+              <a:schemeClr val="dk1"/>
+            </a:fontRef>
+          </p:style>
+          <p:txBody>
+            <a:bodyPr rtlCol="0" anchor="ctr"/>
+            <a:lstStyle/>
+            <a:p>
+              <a:pPr algn="ctr"/>
+              <a:r>
+                <a:rPr lang="zh-CN" altLang="en-US" b="1" dirty="0"/>
+                <a:t>决</a:t>
+              </a:r>
+              <a:r>
+                <a:rPr lang="zh-CN" altLang="en-US" b="1" dirty="0" smtClean="0"/>
+                <a:t>策辅</a:t>
+              </a:r>
+              <a:r>
+                <a:rPr lang="zh-CN" altLang="en-US" b="1" dirty="0" smtClean="0"/>
+                <a:t>助系统</a:t>
+              </a:r>
+              <a:endParaRPr lang="en-US" altLang="zh-CN" b="1" dirty="0" smtClean="0"/>
+            </a:p>
+            <a:p>
+              <a:pPr algn="ctr"/>
+              <a:endParaRPr lang="en-US" altLang="zh-CN" sz="2000" b="1" dirty="0"/>
+            </a:p>
+            <a:p>
+              <a:pPr algn="ctr"/>
+              <a:endParaRPr lang="en-US" altLang="zh-CN" sz="2000" b="1" dirty="0" smtClean="0"/>
+            </a:p>
+            <a:p>
+              <a:pPr algn="ctr"/>
+              <a:endParaRPr lang="en-US" altLang="zh-CN" sz="2000" b="1" dirty="0"/>
+            </a:p>
+            <a:p>
+              <a:pPr algn="ctr"/>
+              <a:endParaRPr lang="en-US" altLang="zh-CN" sz="2000" b="1" dirty="0" smtClean="0"/>
+            </a:p>
+            <a:p>
+              <a:pPr algn="ctr"/>
+              <a:endParaRPr lang="en-US" altLang="zh-CN" sz="2000" b="1" dirty="0" smtClean="0"/>
+            </a:p>
+            <a:p>
+              <a:pPr algn="ctr"/>
+              <a:endParaRPr lang="en-US" altLang="zh-CN" dirty="0"/>
+            </a:p>
+            <a:p>
+              <a:pPr algn="ctr"/>
+              <a:endParaRPr lang="en-US" altLang="zh-CN" dirty="0" smtClean="0"/>
+            </a:p>
+            <a:p>
+              <a:pPr algn="ctr"/>
+              <a:endParaRPr lang="en-US" altLang="zh-CN" dirty="0"/>
+            </a:p>
+            <a:p>
+              <a:pPr algn="ctr"/>
+              <a:endParaRPr lang="en-US" altLang="zh-CN" dirty="0" smtClean="0"/>
+            </a:p>
+            <a:p>
+              <a:pPr algn="ctr"/>
+              <a:endParaRPr lang="zh-CN" altLang="en-US" dirty="0"/>
+            </a:p>
+          </p:txBody>
+        </p:sp>
+        <p:sp>
+          <p:nvSpPr>
+            <p:cNvPr id="7" name="Rounded Rectangle 6"/>
+            <p:cNvSpPr/>
+            <p:nvPr/>
+          </p:nvSpPr>
+          <p:spPr>
+            <a:xfrm>
+              <a:off x="1258150" y="1522648"/>
+              <a:ext cx="1369634" cy="629936"/>
+            </a:xfrm>
+            <a:prstGeom prst="roundRect">
+              <a:avLst/>
+            </a:prstGeom>
+          </p:spPr>
+          <p:style>
+            <a:lnRef idx="1">
+              <a:schemeClr val="accent4"/>
+            </a:lnRef>
+            <a:fillRef idx="2">
+              <a:schemeClr val="accent4"/>
+            </a:fillRef>
+            <a:effectRef idx="1">
+              <a:schemeClr val="accent4"/>
+            </a:effectRef>
+            <a:fontRef idx="minor">
+              <a:schemeClr val="dk1"/>
+            </a:fontRef>
+          </p:style>
+          <p:txBody>
+            <a:bodyPr rtlCol="0" anchor="ctr"/>
+            <a:lstStyle/>
+            <a:p>
+              <a:pPr algn="ctr"/>
+              <a:r>
+                <a:rPr lang="zh-CN" altLang="en-US" dirty="0"/>
+                <a:t>管</a:t>
+              </a:r>
+              <a:r>
+                <a:rPr lang="zh-CN" altLang="en-US" dirty="0" smtClean="0"/>
+                <a:t>线配置</a:t>
+              </a:r>
+              <a:endParaRPr lang="en-US" altLang="zh-CN" dirty="0" smtClean="0"/>
+            </a:p>
+            <a:p>
+              <a:pPr algn="ctr"/>
+              <a:r>
+                <a:rPr lang="zh-CN" altLang="en-US" dirty="0" smtClean="0"/>
+                <a:t>对话框</a:t>
+              </a:r>
+              <a:endParaRPr lang="zh-CN" altLang="en-US" dirty="0"/>
+            </a:p>
+          </p:txBody>
+        </p:sp>
+        <p:sp>
+          <p:nvSpPr>
+            <p:cNvPr id="8" name="Rounded Rectangle 7"/>
+            <p:cNvSpPr/>
+            <p:nvPr/>
+          </p:nvSpPr>
+          <p:spPr>
+            <a:xfrm>
+              <a:off x="3491880" y="2620720"/>
+              <a:ext cx="828092" cy="624280"/>
+            </a:xfrm>
+            <a:prstGeom prst="roundRect">
+              <a:avLst/>
+            </a:prstGeom>
+          </p:spPr>
+          <p:style>
+            <a:lnRef idx="2">
+              <a:schemeClr val="accent1">
+                <a:shade val="50000"/>
+              </a:schemeClr>
+            </a:lnRef>
+            <a:fillRef idx="1">
+              <a:schemeClr val="accent1"/>
+            </a:fillRef>
+            <a:effectRef idx="0">
+              <a:schemeClr val="accent1"/>
+            </a:effectRef>
+            <a:fontRef idx="minor">
+              <a:schemeClr val="lt1"/>
+            </a:fontRef>
+          </p:style>
+          <p:txBody>
+            <a:bodyPr rtlCol="0" anchor="ctr"/>
+            <a:lstStyle/>
+            <a:p>
+              <a:pPr algn="ctr"/>
+              <a:r>
+                <a:rPr lang="zh-CN" altLang="en-US" dirty="0"/>
+                <a:t>管</a:t>
+              </a:r>
+              <a:r>
+                <a:rPr lang="zh-CN" altLang="en-US" dirty="0" smtClean="0"/>
+                <a:t>线录入</a:t>
+              </a:r>
+              <a:endParaRPr lang="en-US" altLang="zh-CN" dirty="0" smtClean="0"/>
+            </a:p>
+          </p:txBody>
+        </p:sp>
+        <p:sp>
+          <p:nvSpPr>
+            <p:cNvPr id="9" name="Rounded Rectangle 8"/>
+            <p:cNvSpPr/>
+            <p:nvPr/>
+          </p:nvSpPr>
+          <p:spPr>
+            <a:xfrm>
+              <a:off x="3491880" y="3705466"/>
+              <a:ext cx="828092" cy="624280"/>
+            </a:xfrm>
+            <a:prstGeom prst="roundRect">
+              <a:avLst/>
+            </a:prstGeom>
+          </p:spPr>
+          <p:style>
+            <a:lnRef idx="2">
+              <a:schemeClr val="accent1">
+                <a:shade val="50000"/>
+              </a:schemeClr>
+            </a:lnRef>
+            <a:fillRef idx="1">
+              <a:schemeClr val="accent1"/>
+            </a:fillRef>
+            <a:effectRef idx="0">
+              <a:schemeClr val="accent1"/>
+            </a:effectRef>
+            <a:fontRef idx="minor">
+              <a:schemeClr val="lt1"/>
+            </a:fontRef>
+          </p:style>
+          <p:txBody>
+            <a:bodyPr rtlCol="0" anchor="ctr"/>
+            <a:lstStyle/>
+            <a:p>
+              <a:pPr algn="ctr"/>
+              <a:r>
+                <a:rPr lang="zh-CN" altLang="en-US" dirty="0" smtClean="0"/>
+                <a:t>辅助操作</a:t>
+              </a:r>
+              <a:endParaRPr lang="en-US" altLang="zh-CN" dirty="0" smtClean="0"/>
+            </a:p>
+          </p:txBody>
+        </p:sp>
+        <p:sp>
+          <p:nvSpPr>
+            <p:cNvPr id="11" name="Rounded Rectangle 10"/>
+            <p:cNvSpPr/>
+            <p:nvPr/>
+          </p:nvSpPr>
+          <p:spPr>
+            <a:xfrm>
+              <a:off x="3491880" y="1535975"/>
+              <a:ext cx="828092" cy="624280"/>
+            </a:xfrm>
+            <a:prstGeom prst="roundRect">
+              <a:avLst/>
+            </a:prstGeom>
+          </p:spPr>
+          <p:style>
+            <a:lnRef idx="2">
+              <a:schemeClr val="accent1">
+                <a:shade val="50000"/>
+              </a:schemeClr>
+            </a:lnRef>
+            <a:fillRef idx="1">
+              <a:schemeClr val="accent1"/>
+            </a:fillRef>
+            <a:effectRef idx="0">
+              <a:schemeClr val="accent1"/>
+            </a:effectRef>
+            <a:fontRef idx="minor">
+              <a:schemeClr val="lt1"/>
+            </a:fontRef>
+          </p:style>
+          <p:txBody>
+            <a:bodyPr rtlCol="0" anchor="ctr"/>
+            <a:lstStyle/>
+            <a:p>
+              <a:pPr algn="ctr"/>
+              <a:r>
+                <a:rPr lang="zh-CN" altLang="en-US" dirty="0" smtClean="0"/>
+                <a:t>数据配置</a:t>
+              </a:r>
+              <a:endParaRPr lang="en-US" altLang="zh-CN" dirty="0" smtClean="0"/>
+            </a:p>
+          </p:txBody>
+        </p:sp>
+        <p:sp>
+          <p:nvSpPr>
+            <p:cNvPr id="14" name="Rounded Rectangle 13"/>
+            <p:cNvSpPr/>
+            <p:nvPr/>
+          </p:nvSpPr>
+          <p:spPr>
+            <a:xfrm>
+              <a:off x="1247225" y="2614336"/>
+              <a:ext cx="1369634" cy="629936"/>
+            </a:xfrm>
+            <a:prstGeom prst="roundRect">
+              <a:avLst/>
+            </a:prstGeom>
+          </p:spPr>
+          <p:style>
+            <a:lnRef idx="1">
+              <a:schemeClr val="accent4"/>
+            </a:lnRef>
+            <a:fillRef idx="2">
+              <a:schemeClr val="accent4"/>
+            </a:fillRef>
+            <a:effectRef idx="1">
+              <a:schemeClr val="accent4"/>
+            </a:effectRef>
+            <a:fontRef idx="minor">
+              <a:schemeClr val="dk1"/>
+            </a:fontRef>
+          </p:style>
+          <p:txBody>
+            <a:bodyPr rtlCol="0" anchor="ctr"/>
+            <a:lstStyle/>
+            <a:p>
+              <a:pPr algn="ctr"/>
+              <a:r>
+                <a:rPr lang="zh-CN" altLang="en-US" dirty="0" smtClean="0"/>
+                <a:t>实体数据对话框</a:t>
+              </a:r>
+              <a:endParaRPr lang="zh-CN" altLang="en-US" dirty="0"/>
+            </a:p>
+          </p:txBody>
+        </p:sp>
+        <p:sp>
+          <p:nvSpPr>
+            <p:cNvPr id="16" name="Rounded Rectangle 15"/>
+            <p:cNvSpPr/>
+            <p:nvPr/>
+          </p:nvSpPr>
+          <p:spPr>
+            <a:xfrm>
+              <a:off x="1247225" y="3699082"/>
+              <a:ext cx="1369634" cy="629936"/>
+            </a:xfrm>
+            <a:prstGeom prst="roundRect">
+              <a:avLst/>
+            </a:prstGeom>
+          </p:spPr>
+          <p:style>
+            <a:lnRef idx="1">
+              <a:schemeClr val="accent4"/>
+            </a:lnRef>
+            <a:fillRef idx="2">
+              <a:schemeClr val="accent4"/>
+            </a:fillRef>
+            <a:effectRef idx="1">
+              <a:schemeClr val="accent4"/>
+            </a:effectRef>
+            <a:fontRef idx="minor">
+              <a:schemeClr val="dk1"/>
+            </a:fontRef>
+          </p:style>
+          <p:txBody>
+            <a:bodyPr rtlCol="0" anchor="ctr"/>
+            <a:lstStyle/>
+            <a:p>
+              <a:pPr algn="ctr"/>
+              <a:r>
+                <a:rPr lang="zh-CN" altLang="en-US" dirty="0" smtClean="0"/>
+                <a:t>辅助操作</a:t>
+              </a:r>
+              <a:endParaRPr lang="en-US" altLang="zh-CN" dirty="0" smtClean="0"/>
+            </a:p>
+            <a:p>
+              <a:pPr algn="ctr"/>
+              <a:r>
+                <a:rPr lang="zh-CN" altLang="en-US" dirty="0"/>
+                <a:t>菜单</a:t>
+              </a:r>
+              <a:endParaRPr lang="en-US" altLang="zh-CN" dirty="0" smtClean="0"/>
+            </a:p>
+          </p:txBody>
+        </p:sp>
+        <p:sp>
+          <p:nvSpPr>
+            <p:cNvPr id="18" name="Right Arrow 17"/>
+            <p:cNvSpPr/>
+            <p:nvPr/>
+          </p:nvSpPr>
+          <p:spPr>
+            <a:xfrm>
+              <a:off x="2817734" y="1719613"/>
+              <a:ext cx="530130" cy="279133"/>
+            </a:xfrm>
+            <a:prstGeom prst="rightArrow">
+              <a:avLst/>
+            </a:prstGeom>
+          </p:spPr>
+          <p:style>
+            <a:lnRef idx="1">
+              <a:schemeClr val="accent5"/>
+            </a:lnRef>
+            <a:fillRef idx="2">
+              <a:schemeClr val="accent5"/>
+            </a:fillRef>
+            <a:effectRef idx="1">
+              <a:schemeClr val="accent5"/>
+            </a:effectRef>
+            <a:fontRef idx="minor">
+              <a:schemeClr val="dk1"/>
+            </a:fontRef>
+          </p:style>
+          <p:txBody>
+            <a:bodyPr rtlCol="0" anchor="ctr"/>
+            <a:lstStyle/>
+            <a:p>
+              <a:pPr algn="ctr"/>
+              <a:endParaRPr lang="zh-CN" altLang="en-US"/>
+            </a:p>
+          </p:txBody>
+        </p:sp>
+        <p:sp>
+          <p:nvSpPr>
+            <p:cNvPr id="19" name="Right Arrow 18"/>
+            <p:cNvSpPr/>
+            <p:nvPr/>
+          </p:nvSpPr>
+          <p:spPr>
+            <a:xfrm>
+              <a:off x="2791660" y="2793293"/>
+              <a:ext cx="530130" cy="279133"/>
+            </a:xfrm>
+            <a:prstGeom prst="rightArrow">
+              <a:avLst/>
+            </a:prstGeom>
+          </p:spPr>
+          <p:style>
+            <a:lnRef idx="1">
+              <a:schemeClr val="accent5"/>
+            </a:lnRef>
+            <a:fillRef idx="2">
+              <a:schemeClr val="accent5"/>
+            </a:fillRef>
+            <a:effectRef idx="1">
+              <a:schemeClr val="accent5"/>
+            </a:effectRef>
+            <a:fontRef idx="minor">
+              <a:schemeClr val="dk1"/>
+            </a:fontRef>
+          </p:style>
+          <p:txBody>
+            <a:bodyPr rtlCol="0" anchor="ctr"/>
+            <a:lstStyle/>
+            <a:p>
+              <a:pPr algn="ctr"/>
+              <a:endParaRPr lang="zh-CN" altLang="en-US"/>
+            </a:p>
+          </p:txBody>
+        </p:sp>
+        <p:sp>
+          <p:nvSpPr>
+            <p:cNvPr id="20" name="Right Arrow 19"/>
+            <p:cNvSpPr/>
+            <p:nvPr/>
+          </p:nvSpPr>
+          <p:spPr>
+            <a:xfrm>
+              <a:off x="2817734" y="3878039"/>
+              <a:ext cx="530130" cy="279133"/>
+            </a:xfrm>
+            <a:prstGeom prst="rightArrow">
+              <a:avLst/>
+            </a:prstGeom>
+          </p:spPr>
+          <p:style>
+            <a:lnRef idx="1">
+              <a:schemeClr val="accent5"/>
+            </a:lnRef>
+            <a:fillRef idx="2">
+              <a:schemeClr val="accent5"/>
+            </a:fillRef>
+            <a:effectRef idx="1">
+              <a:schemeClr val="accent5"/>
+            </a:effectRef>
+            <a:fontRef idx="minor">
+              <a:schemeClr val="dk1"/>
+            </a:fontRef>
+          </p:style>
+          <p:txBody>
+            <a:bodyPr rtlCol="0" anchor="ctr"/>
+            <a:lstStyle/>
+            <a:p>
+              <a:pPr algn="ctr"/>
+              <a:endParaRPr lang="zh-CN" altLang="en-US"/>
+            </a:p>
+          </p:txBody>
+        </p:sp>
+        <p:sp>
+          <p:nvSpPr>
+            <p:cNvPr id="21" name="Right Arrow 20"/>
+            <p:cNvSpPr/>
+            <p:nvPr/>
+          </p:nvSpPr>
+          <p:spPr>
+            <a:xfrm>
+              <a:off x="4670082" y="1715112"/>
+              <a:ext cx="549990" cy="279133"/>
+            </a:xfrm>
+            <a:prstGeom prst="rightArrow">
+              <a:avLst/>
+            </a:prstGeom>
+          </p:spPr>
+          <p:style>
+            <a:lnRef idx="1">
+              <a:schemeClr val="accent5"/>
+            </a:lnRef>
+            <a:fillRef idx="2">
+              <a:schemeClr val="accent5"/>
+            </a:fillRef>
+            <a:effectRef idx="1">
+              <a:schemeClr val="accent5"/>
+            </a:effectRef>
+            <a:fontRef idx="minor">
+              <a:schemeClr val="dk1"/>
+            </a:fontRef>
+          </p:style>
+          <p:txBody>
+            <a:bodyPr rtlCol="0" anchor="ctr"/>
+            <a:lstStyle/>
+            <a:p>
+              <a:pPr algn="ctr"/>
+              <a:endParaRPr lang="zh-CN" altLang="en-US"/>
+            </a:p>
+          </p:txBody>
+        </p:sp>
+        <p:sp>
+          <p:nvSpPr>
+            <p:cNvPr id="22" name="Right Arrow 21"/>
+            <p:cNvSpPr/>
+            <p:nvPr/>
+          </p:nvSpPr>
+          <p:spPr>
+            <a:xfrm>
+              <a:off x="4644008" y="2788792"/>
+              <a:ext cx="549990" cy="279133"/>
+            </a:xfrm>
+            <a:prstGeom prst="rightArrow">
+              <a:avLst/>
+            </a:prstGeom>
+          </p:spPr>
+          <p:style>
+            <a:lnRef idx="1">
+              <a:schemeClr val="accent5"/>
+            </a:lnRef>
+            <a:fillRef idx="2">
+              <a:schemeClr val="accent5"/>
+            </a:fillRef>
+            <a:effectRef idx="1">
+              <a:schemeClr val="accent5"/>
+            </a:effectRef>
+            <a:fontRef idx="minor">
+              <a:schemeClr val="dk1"/>
+            </a:fontRef>
+          </p:style>
+          <p:txBody>
+            <a:bodyPr rtlCol="0" anchor="ctr"/>
+            <a:lstStyle/>
+            <a:p>
+              <a:pPr algn="ctr"/>
+              <a:endParaRPr lang="zh-CN" altLang="en-US"/>
+            </a:p>
+          </p:txBody>
+        </p:sp>
+        <p:sp>
+          <p:nvSpPr>
+            <p:cNvPr id="23" name="Right Arrow 22"/>
+            <p:cNvSpPr/>
+            <p:nvPr/>
+          </p:nvSpPr>
+          <p:spPr>
+            <a:xfrm>
+              <a:off x="4670082" y="3873538"/>
+              <a:ext cx="549990" cy="279133"/>
+            </a:xfrm>
+            <a:prstGeom prst="rightArrow">
+              <a:avLst/>
+            </a:prstGeom>
+          </p:spPr>
+          <p:style>
+            <a:lnRef idx="1">
+              <a:schemeClr val="accent5"/>
+            </a:lnRef>
+            <a:fillRef idx="2">
+              <a:schemeClr val="accent5"/>
+            </a:fillRef>
+            <a:effectRef idx="1">
+              <a:schemeClr val="accent5"/>
+            </a:effectRef>
+            <a:fontRef idx="minor">
+              <a:schemeClr val="dk1"/>
+            </a:fontRef>
+          </p:style>
+          <p:txBody>
+            <a:bodyPr rtlCol="0" anchor="ctr"/>
+            <a:lstStyle/>
+            <a:p>
+              <a:pPr algn="ctr"/>
+              <a:endParaRPr lang="zh-CN" altLang="en-US"/>
+            </a:p>
+          </p:txBody>
+        </p:sp>
+        <p:sp>
+          <p:nvSpPr>
+            <p:cNvPr id="32" name="Rounded Rectangle 31"/>
+            <p:cNvSpPr/>
+            <p:nvPr/>
+          </p:nvSpPr>
+          <p:spPr>
+            <a:xfrm>
+              <a:off x="5292080" y="2617890"/>
+              <a:ext cx="2376929" cy="638936"/>
+            </a:xfrm>
+            <a:prstGeom prst="roundRect">
+              <a:avLst/>
+            </a:prstGeom>
+          </p:spPr>
+          <p:style>
+            <a:lnRef idx="2">
+              <a:schemeClr val="accent1">
+                <a:shade val="50000"/>
+              </a:schemeClr>
+            </a:lnRef>
+            <a:fillRef idx="1">
+              <a:schemeClr val="accent1"/>
+            </a:fillRef>
+            <a:effectRef idx="0">
+              <a:schemeClr val="accent1"/>
+            </a:effectRef>
+            <a:fontRef idx="minor">
+              <a:schemeClr val="lt1"/>
+            </a:fontRef>
+          </p:style>
+          <p:txBody>
+            <a:bodyPr rtlCol="0" anchor="ctr"/>
+            <a:lstStyle/>
+            <a:p>
+              <a:pPr algn="ctr"/>
+              <a:r>
+                <a:rPr lang="zh-CN" altLang="en-US" sz="1400" dirty="0"/>
+                <a:t>数据</a:t>
+              </a:r>
+              <a:r>
+                <a:rPr lang="zh-CN" altLang="en-US" sz="1400" dirty="0" smtClean="0"/>
+                <a:t>文件</a:t>
+              </a:r>
+              <a:endParaRPr lang="en-US" altLang="zh-CN" sz="1400" dirty="0"/>
+            </a:p>
+            <a:p>
+              <a:pPr algn="ctr"/>
+              <a:endParaRPr lang="zh-CN" altLang="en-US" sz="1400" dirty="0"/>
+            </a:p>
+          </p:txBody>
+        </p:sp>
+        <p:sp>
+          <p:nvSpPr>
+            <p:cNvPr id="33" name="Rounded Rectangle 32"/>
+            <p:cNvSpPr/>
+            <p:nvPr/>
+          </p:nvSpPr>
+          <p:spPr>
+            <a:xfrm>
+              <a:off x="6063183" y="2949315"/>
+              <a:ext cx="669722" cy="270263"/>
+            </a:xfrm>
+            <a:prstGeom prst="roundRect">
+              <a:avLst/>
+            </a:prstGeom>
+          </p:spPr>
+          <p:style>
+            <a:lnRef idx="1">
+              <a:schemeClr val="accent6"/>
+            </a:lnRef>
+            <a:fillRef idx="2">
+              <a:schemeClr val="accent6"/>
+            </a:fillRef>
+            <a:effectRef idx="1">
+              <a:schemeClr val="accent6"/>
+            </a:effectRef>
+            <a:fontRef idx="minor">
+              <a:schemeClr val="dk1"/>
+            </a:fontRef>
+          </p:style>
+          <p:txBody>
+            <a:bodyPr rtlCol="0" anchor="ctr"/>
+            <a:lstStyle/>
+            <a:p>
+              <a:pPr algn="ctr"/>
+              <a:r>
+                <a:rPr lang="en-US" altLang="zh-CN" sz="1400" dirty="0" smtClean="0"/>
+                <a:t>DWG</a:t>
+              </a:r>
+              <a:endParaRPr lang="zh-CN" altLang="en-US" sz="1400" dirty="0"/>
+            </a:p>
+          </p:txBody>
+        </p:sp>
+        <p:sp>
+          <p:nvSpPr>
+            <p:cNvPr id="34" name="Rounded Rectangle 33"/>
+            <p:cNvSpPr/>
+            <p:nvPr/>
+          </p:nvSpPr>
+          <p:spPr>
+            <a:xfrm>
+              <a:off x="6831868" y="2966583"/>
+              <a:ext cx="693125" cy="270263"/>
+            </a:xfrm>
+            <a:prstGeom prst="roundRect">
+              <a:avLst/>
+            </a:prstGeom>
+          </p:spPr>
+          <p:style>
+            <a:lnRef idx="1">
+              <a:schemeClr val="accent6"/>
+            </a:lnRef>
+            <a:fillRef idx="2">
+              <a:schemeClr val="accent6"/>
+            </a:fillRef>
+            <a:effectRef idx="1">
+              <a:schemeClr val="accent6"/>
+            </a:effectRef>
+            <a:fontRef idx="minor">
+              <a:schemeClr val="dk1"/>
+            </a:fontRef>
+          </p:style>
+          <p:txBody>
+            <a:bodyPr rtlCol="0" anchor="ctr"/>
+            <a:lstStyle/>
+            <a:p>
+              <a:pPr algn="ctr"/>
+              <a:r>
+                <a:rPr lang="en-US" altLang="zh-CN" sz="1400" dirty="0" smtClean="0"/>
+                <a:t>XML</a:t>
+              </a:r>
+              <a:endParaRPr lang="zh-CN" altLang="en-US" sz="1400" dirty="0"/>
+            </a:p>
+          </p:txBody>
+        </p:sp>
+        <p:sp>
+          <p:nvSpPr>
+            <p:cNvPr id="39" name="Rounded Rectangle 38"/>
+            <p:cNvSpPr/>
+            <p:nvPr/>
+          </p:nvSpPr>
+          <p:spPr>
+            <a:xfrm>
+              <a:off x="5326947" y="3705466"/>
+              <a:ext cx="1746291" cy="638936"/>
+            </a:xfrm>
+            <a:prstGeom prst="roundRect">
+              <a:avLst/>
+            </a:prstGeom>
+          </p:spPr>
+          <p:style>
+            <a:lnRef idx="2">
+              <a:schemeClr val="accent1">
+                <a:shade val="50000"/>
+              </a:schemeClr>
+            </a:lnRef>
+            <a:fillRef idx="1">
+              <a:schemeClr val="accent1"/>
+            </a:fillRef>
+            <a:effectRef idx="0">
+              <a:schemeClr val="accent1"/>
+            </a:effectRef>
+            <a:fontRef idx="minor">
+              <a:schemeClr val="lt1"/>
+            </a:fontRef>
+          </p:style>
+          <p:txBody>
+            <a:bodyPr rtlCol="0" anchor="ctr"/>
+            <a:lstStyle/>
+            <a:p>
+              <a:pPr algn="ctr"/>
+              <a:r>
+                <a:rPr lang="zh-CN" altLang="en-US" sz="1400" dirty="0"/>
+                <a:t>数</a:t>
+              </a:r>
+              <a:r>
+                <a:rPr lang="zh-CN" altLang="en-US" sz="1400" dirty="0" smtClean="0"/>
+                <a:t>据文件</a:t>
+              </a:r>
+              <a:endParaRPr lang="en-US" altLang="zh-CN" sz="1400" dirty="0"/>
+            </a:p>
+            <a:p>
+              <a:pPr algn="ctr"/>
+              <a:endParaRPr lang="zh-CN" altLang="en-US" sz="1400" dirty="0"/>
+            </a:p>
+          </p:txBody>
+        </p:sp>
+        <p:sp>
+          <p:nvSpPr>
+            <p:cNvPr id="40" name="Rounded Rectangle 39"/>
+            <p:cNvSpPr/>
+            <p:nvPr/>
+          </p:nvSpPr>
+          <p:spPr>
+            <a:xfrm>
+              <a:off x="6305350" y="4036891"/>
+              <a:ext cx="669722" cy="270263"/>
+            </a:xfrm>
+            <a:prstGeom prst="roundRect">
+              <a:avLst/>
+            </a:prstGeom>
+          </p:spPr>
+          <p:style>
+            <a:lnRef idx="1">
+              <a:schemeClr val="accent6"/>
+            </a:lnRef>
+            <a:fillRef idx="2">
+              <a:schemeClr val="accent6"/>
+            </a:fillRef>
+            <a:effectRef idx="1">
+              <a:schemeClr val="accent6"/>
+            </a:effectRef>
+            <a:fontRef idx="minor">
+              <a:schemeClr val="dk1"/>
+            </a:fontRef>
+          </p:style>
+          <p:txBody>
+            <a:bodyPr rtlCol="0" anchor="ctr"/>
+            <a:lstStyle/>
+            <a:p>
+              <a:pPr algn="ctr"/>
+              <a:r>
+                <a:rPr lang="en-US" altLang="zh-CN" sz="1400" dirty="0" smtClean="0"/>
+                <a:t>DWG</a:t>
+              </a:r>
+              <a:endParaRPr lang="zh-CN" altLang="en-US" sz="1400" dirty="0"/>
+            </a:p>
+          </p:txBody>
+        </p:sp>
+        <p:sp>
+          <p:nvSpPr>
+            <p:cNvPr id="38" name="Rounded Rectangle 37"/>
+            <p:cNvSpPr/>
+            <p:nvPr/>
+          </p:nvSpPr>
+          <p:spPr>
+            <a:xfrm>
+              <a:off x="5423960" y="4036890"/>
+              <a:ext cx="693125" cy="270263"/>
+            </a:xfrm>
+            <a:prstGeom prst="roundRect">
+              <a:avLst/>
+            </a:prstGeom>
+          </p:spPr>
+          <p:style>
+            <a:lnRef idx="1">
+              <a:schemeClr val="accent6"/>
+            </a:lnRef>
+            <a:fillRef idx="2">
+              <a:schemeClr val="accent6"/>
+            </a:fillRef>
+            <a:effectRef idx="1">
+              <a:schemeClr val="accent6"/>
+            </a:effectRef>
+            <a:fontRef idx="minor">
+              <a:schemeClr val="dk1"/>
+            </a:fontRef>
+          </p:style>
+          <p:txBody>
+            <a:bodyPr rtlCol="0" anchor="ctr"/>
+            <a:lstStyle/>
+            <a:p>
+              <a:pPr algn="ctr"/>
+              <a:r>
+                <a:rPr lang="en-US" altLang="zh-CN" sz="1400" dirty="0" smtClean="0"/>
+                <a:t>3D</a:t>
+              </a:r>
+              <a:endParaRPr lang="zh-CN" altLang="en-US" sz="1400" dirty="0"/>
+            </a:p>
+          </p:txBody>
+        </p:sp>
+        <p:sp>
+          <p:nvSpPr>
+            <p:cNvPr id="41" name="Rounded Rectangle 40"/>
+            <p:cNvSpPr/>
+            <p:nvPr/>
+          </p:nvSpPr>
+          <p:spPr>
+            <a:xfrm>
+              <a:off x="5423960" y="2937358"/>
+              <a:ext cx="522627" cy="270263"/>
+            </a:xfrm>
+            <a:prstGeom prst="roundRect">
+              <a:avLst/>
+            </a:prstGeom>
+          </p:spPr>
+          <p:style>
+            <a:lnRef idx="1">
+              <a:schemeClr val="accent6"/>
+            </a:lnRef>
+            <a:fillRef idx="2">
+              <a:schemeClr val="accent6"/>
+            </a:fillRef>
+            <a:effectRef idx="1">
+              <a:schemeClr val="accent6"/>
+            </a:effectRef>
+            <a:fontRef idx="minor">
+              <a:schemeClr val="dk1"/>
+            </a:fontRef>
+          </p:style>
+          <p:txBody>
+            <a:bodyPr rtlCol="0" anchor="ctr"/>
+            <a:lstStyle/>
+            <a:p>
+              <a:pPr algn="ctr"/>
+              <a:r>
+                <a:rPr lang="en-US" altLang="zh-CN" sz="1400" dirty="0" smtClean="0"/>
+                <a:t>3D</a:t>
+              </a:r>
+              <a:endParaRPr lang="zh-CN" altLang="en-US" sz="1400" dirty="0"/>
+            </a:p>
+          </p:txBody>
+        </p:sp>
+        <p:pic>
+          <p:nvPicPr>
+            <p:cNvPr id="2050" name="Picture 2"/>
+            <p:cNvPicPr>
+              <a:picLocks noChangeAspect="1" noChangeArrowheads="1"/>
+            </p:cNvPicPr>
+            <p:nvPr/>
+          </p:nvPicPr>
+          <p:blipFill>
+            <a:blip r:embed="rId2" cstate="print">
+              <a:extLst>
+                <a:ext uri="{28A0092B-C50C-407E-A947-70E740481C1C}">
+                  <a14:useLocalDpi xmlns:a14="http://schemas.microsoft.com/office/drawing/2010/main" val="0"/>
+                </a:ext>
+              </a:extLst>
+            </a:blip>
+            <a:srcRect/>
+            <a:stretch>
+              <a:fillRect/>
+            </a:stretch>
+          </p:blipFill>
+          <p:spPr bwMode="auto">
+            <a:xfrm>
+              <a:off x="0" y="2550573"/>
+              <a:ext cx="860443" cy="797484"/>
+            </a:xfrm>
+            <a:prstGeom prst="rect">
+              <a:avLst/>
+            </a:prstGeom>
+            <a:noFill/>
+            <a:ln>
+              <a:noFill/>
+            </a:ln>
+            <a:effectLst/>
+            <a:extLst>
+              <a:ext uri="{909E8E84-426E-40DD-AFC4-6F175D3DCCD1}">
+                <a14:hiddenFill xmlns:a14="http://schemas.microsoft.com/office/drawing/2010/main">
+                  <a:solidFill>
+                    <a:schemeClr val="accent1"/>
+                  </a:solidFill>
+                </a14:hiddenFill>
+              </a:ext>
+              <a:ext uri="{91240B29-F687-4F45-9708-019B960494DF}">
+                <a14:hiddenLine xmlns:a14="http://schemas.microsoft.com/office/drawing/2010/main" w="9525">
+                  <a:solidFill>
+                    <a:schemeClr val="tx1"/>
+                  </a:solidFill>
+                  <a:miter lim="800000"/>
+                  <a:headEnd/>
+                  <a:tailEnd/>
+                </a14:hiddenLine>
+              </a:ext>
+              <a:ext uri="{AF507438-7753-43E0-B8FC-AC1667EBCBE1}">
+                <a14:hiddenEffects xmlns:a14="http://schemas.microsoft.com/office/drawing/2010/main">
+                  <a:effectLst>
+                    <a:outerShdw dist="35921" dir="2700000" algn="ctr" rotWithShape="0">
+                      <a:schemeClr val="bg2"/>
+                    </a:outerShdw>
+                  </a:effectLst>
+                </a14:hiddenEffects>
+              </a:ext>
+            </a:extLst>
+          </p:spPr>
+        </p:pic>
+        <p:sp>
+          <p:nvSpPr>
+            <p:cNvPr id="44" name="Right Arrow 43"/>
+            <p:cNvSpPr/>
+            <p:nvPr/>
+          </p:nvSpPr>
+          <p:spPr>
+            <a:xfrm>
+              <a:off x="842248" y="2809748"/>
+              <a:ext cx="315588" cy="279133"/>
+            </a:xfrm>
+            <a:prstGeom prst="rightArrow">
+              <a:avLst/>
+            </a:prstGeom>
+          </p:spPr>
+          <p:style>
+            <a:lnRef idx="1">
+              <a:schemeClr val="accent5"/>
+            </a:lnRef>
+            <a:fillRef idx="2">
+              <a:schemeClr val="accent5"/>
+            </a:fillRef>
+            <a:effectRef idx="1">
+              <a:schemeClr val="accent5"/>
+            </a:effectRef>
+            <a:fontRef idx="minor">
+              <a:schemeClr val="dk1"/>
+            </a:fontRef>
+          </p:style>
+          <p:txBody>
+            <a:bodyPr rtlCol="0" anchor="ctr"/>
+            <a:lstStyle/>
+            <a:p>
+              <a:pPr algn="ctr"/>
+              <a:endParaRPr lang="zh-CN" altLang="en-US"/>
+            </a:p>
+          </p:txBody>
+        </p:sp>
+        <p:pic>
+          <p:nvPicPr>
+            <p:cNvPr id="2051" name="Picture 3"/>
+            <p:cNvPicPr>
+              <a:picLocks noChangeAspect="1" noChangeArrowheads="1"/>
+            </p:cNvPicPr>
+            <p:nvPr/>
+          </p:nvPicPr>
+          <p:blipFill>
+            <a:blip r:embed="rId3">
+              <a:extLst>
+                <a:ext uri="{28A0092B-C50C-407E-A947-70E740481C1C}">
+                  <a14:useLocalDpi xmlns:a14="http://schemas.microsoft.com/office/drawing/2010/main" val="0"/>
+                </a:ext>
+              </a:extLst>
+            </a:blip>
+            <a:srcRect/>
+            <a:stretch>
+              <a:fillRect/>
+            </a:stretch>
+          </p:blipFill>
+          <p:spPr bwMode="auto">
+            <a:xfrm>
+              <a:off x="8172400" y="2131279"/>
+              <a:ext cx="819494" cy="772666"/>
+            </a:xfrm>
+            <a:prstGeom prst="rect">
+              <a:avLst/>
+            </a:prstGeom>
+            <a:noFill/>
+            <a:ln>
+              <a:noFill/>
+            </a:ln>
+            <a:effectLst/>
+            <a:extLst>
+              <a:ext uri="{909E8E84-426E-40DD-AFC4-6F175D3DCCD1}">
+                <a14:hiddenFill xmlns:a14="http://schemas.microsoft.com/office/drawing/2010/main">
+                  <a:solidFill>
+                    <a:schemeClr val="accent1"/>
+                  </a:solidFill>
+                </a14:hiddenFill>
+              </a:ext>
+              <a:ext uri="{91240B29-F687-4F45-9708-019B960494DF}">
+                <a14:hiddenLine xmlns:a14="http://schemas.microsoft.com/office/drawing/2010/main" w="9525">
+                  <a:solidFill>
+                    <a:schemeClr val="tx1"/>
+                  </a:solidFill>
+                  <a:miter lim="800000"/>
+                  <a:headEnd/>
+                  <a:tailEnd/>
+                </a14:hiddenLine>
+              </a:ext>
+              <a:ext uri="{AF507438-7753-43E0-B8FC-AC1667EBCBE1}">
+                <a14:hiddenEffects xmlns:a14="http://schemas.microsoft.com/office/drawing/2010/main">
+                  <a:effectLst>
+                    <a:outerShdw dist="35921" dir="2700000" algn="ctr" rotWithShape="0">
+                      <a:schemeClr val="bg2"/>
+                    </a:outerShdw>
+                  </a:effectLst>
+                </a14:hiddenEffects>
+              </a:ext>
+            </a:extLst>
+          </p:spPr>
+        </p:pic>
+        <p:pic>
+          <p:nvPicPr>
+            <p:cNvPr id="2052" name="Picture 4"/>
+            <p:cNvPicPr>
+              <a:picLocks noChangeAspect="1" noChangeArrowheads="1"/>
+            </p:cNvPicPr>
+            <p:nvPr/>
+          </p:nvPicPr>
+          <p:blipFill>
+            <a:blip r:embed="rId4">
+              <a:extLst>
+                <a:ext uri="{28A0092B-C50C-407E-A947-70E740481C1C}">
+                  <a14:useLocalDpi xmlns:a14="http://schemas.microsoft.com/office/drawing/2010/main" val="0"/>
+                </a:ext>
+              </a:extLst>
+            </a:blip>
+            <a:srcRect/>
+            <a:stretch>
+              <a:fillRect/>
+            </a:stretch>
+          </p:blipFill>
+          <p:spPr bwMode="auto">
+            <a:xfrm>
+              <a:off x="8236197" y="3047870"/>
+              <a:ext cx="691900" cy="659719"/>
+            </a:xfrm>
+            <a:prstGeom prst="rect">
+              <a:avLst/>
+            </a:prstGeom>
+            <a:noFill/>
+            <a:ln>
+              <a:noFill/>
+            </a:ln>
+            <a:effectLst/>
+            <a:extLst>
+              <a:ext uri="{909E8E84-426E-40DD-AFC4-6F175D3DCCD1}">
+                <a14:hiddenFill xmlns:a14="http://schemas.microsoft.com/office/drawing/2010/main">
+                  <a:solidFill>
+                    <a:schemeClr val="accent1"/>
+                  </a:solidFill>
+                </a14:hiddenFill>
+              </a:ext>
+              <a:ext uri="{91240B29-F687-4F45-9708-019B960494DF}">
+                <a14:hiddenLine xmlns:a14="http://schemas.microsoft.com/office/drawing/2010/main" w="9525">
+                  <a:solidFill>
+                    <a:schemeClr val="tx1"/>
+                  </a:solidFill>
+                  <a:miter lim="800000"/>
+                  <a:headEnd/>
+                  <a:tailEnd/>
+                </a14:hiddenLine>
+              </a:ext>
+              <a:ext uri="{AF507438-7753-43E0-B8FC-AC1667EBCBE1}">
+                <a14:hiddenEffects xmlns:a14="http://schemas.microsoft.com/office/drawing/2010/main">
+                  <a:effectLst>
+                    <a:outerShdw dist="35921" dir="2700000" algn="ctr" rotWithShape="0">
+                      <a:schemeClr val="bg2"/>
+                    </a:outerShdw>
+                  </a:effectLst>
+                </a14:hiddenEffects>
+              </a:ext>
+            </a:extLst>
+          </p:spPr>
+        </p:pic>
+        <p:sp>
+          <p:nvSpPr>
+            <p:cNvPr id="48" name="Right Arrow 47"/>
+            <p:cNvSpPr/>
+            <p:nvPr/>
+          </p:nvSpPr>
+          <p:spPr>
+            <a:xfrm>
+              <a:off x="7824020" y="2827016"/>
+              <a:ext cx="315588" cy="279133"/>
+            </a:xfrm>
+            <a:prstGeom prst="rightArrow">
+              <a:avLst/>
+            </a:prstGeom>
+          </p:spPr>
+          <p:style>
+            <a:lnRef idx="1">
+              <a:schemeClr val="accent5"/>
+            </a:lnRef>
+            <a:fillRef idx="2">
+              <a:schemeClr val="accent5"/>
+            </a:fillRef>
+            <a:effectRef idx="1">
+              <a:schemeClr val="accent5"/>
+            </a:effectRef>
+            <a:fontRef idx="minor">
+              <a:schemeClr val="dk1"/>
+            </a:fontRef>
+          </p:style>
+          <p:txBody>
+            <a:bodyPr rtlCol="0" anchor="ctr"/>
+            <a:lstStyle/>
+            <a:p>
+              <a:pPr algn="ctr"/>
+              <a:endParaRPr lang="zh-CN" altLang="en-US"/>
+            </a:p>
+          </p:txBody>
+        </p:sp>
+      </p:grpSp>
+    </p:spTree>
+    <p:extLst>
+      <p:ext uri="{BB962C8B-B14F-4D97-AF65-F5344CB8AC3E}">
+        <p14:creationId xmlns:p14="http://schemas.microsoft.com/office/powerpoint/2010/main" val="649626413"/>
+      </p:ext>
+    </p:extLst>
+  </p:cSld>
+  <p:clrMapOvr>
+    <a:masterClrMapping/>
+  </p:clrMapOvr>
+</p:sld>
+</file>
+
+<file path=ppt/slides/slide4.xml><?xml version="1.0" encoding="utf-8"?>
+<p:sld xmlns:a="http://schemas.openxmlformats.org/drawingml/2006/main" xmlns:r="http://schemas.openxmlformats.org/officeDocument/2006/relationships" xmlns:p="http://schemas.openxmlformats.org/presentationml/2006/main">
+  <p:cSld>
+    <p:spTree>
+      <p:nvGrpSpPr>
+        <p:cNvPr id="1" name=""/>
+        <p:cNvGrpSpPr/>
+        <p:nvPr/>
+      </p:nvGrpSpPr>
+      <p:grpSpPr>
+        <a:xfrm>
+          <a:off x="0" y="0"/>
+          <a:ext cx="0" cy="0"/>
+          <a:chOff x="0" y="0"/>
+          <a:chExt cx="0" cy="0"/>
+        </a:xfrm>
+      </p:grpSpPr>
+      <p:sp>
+        <p:nvSpPr>
+          <p:cNvPr id="5" name="Rounded Rectangle 4"/>
+          <p:cNvSpPr/>
+          <p:nvPr/>
+        </p:nvSpPr>
+        <p:spPr>
+          <a:xfrm>
+            <a:off x="593558" y="451308"/>
+            <a:ext cx="8082898" cy="6074036"/>
+          </a:xfrm>
+          <a:prstGeom prst="roundRect">
+            <a:avLst/>
+          </a:prstGeom>
+        </p:spPr>
+        <p:style>
+          <a:lnRef idx="2">
+            <a:schemeClr val="accent1">
+              <a:shade val="50000"/>
+            </a:schemeClr>
+          </a:lnRef>
+          <a:fillRef idx="1">
+            <a:schemeClr val="accent1"/>
+          </a:fillRef>
+          <a:effectRef idx="0">
+            <a:schemeClr val="accent1"/>
+          </a:effectRef>
+          <a:fontRef idx="minor">
+            <a:schemeClr val="lt1"/>
+          </a:fontRef>
+        </p:style>
+        <p:txBody>
+          <a:bodyPr rtlCol="0" anchor="ctr"/>
+          <a:lstStyle/>
+          <a:p>
+            <a:pPr algn="ctr"/>
+            <a:r>
+              <a:rPr lang="en-US" altLang="zh-CN" sz="3200" b="1" dirty="0" smtClean="0"/>
+              <a:t>AutoCAD</a:t>
+            </a:r>
+            <a:endParaRPr lang="en-US" altLang="zh-CN" sz="2400" b="1" dirty="0" smtClean="0"/>
+          </a:p>
+          <a:p>
+            <a:pPr algn="ctr"/>
+            <a:endParaRPr lang="en-US" altLang="zh-CN" sz="2400" b="1" dirty="0"/>
+          </a:p>
+          <a:p>
+            <a:pPr algn="ctr"/>
+            <a:endParaRPr lang="en-US" altLang="zh-CN" sz="2400" b="1" dirty="0" smtClean="0"/>
+          </a:p>
+          <a:p>
+            <a:pPr algn="ctr"/>
+            <a:endParaRPr lang="en-US" altLang="zh-CN" dirty="0"/>
+          </a:p>
+          <a:p>
+            <a:pPr algn="ctr"/>
+            <a:endParaRPr lang="en-US" altLang="zh-CN" dirty="0" smtClean="0"/>
+          </a:p>
+          <a:p>
+            <a:pPr algn="ctr"/>
+            <a:endParaRPr lang="en-US" altLang="zh-CN" dirty="0"/>
+          </a:p>
+          <a:p>
+            <a:pPr algn="ctr"/>
+            <a:endParaRPr lang="en-US" altLang="zh-CN" dirty="0" smtClean="0"/>
+          </a:p>
+          <a:p>
+            <a:pPr algn="ctr"/>
+            <a:endParaRPr lang="en-US" altLang="zh-CN" dirty="0"/>
+          </a:p>
+          <a:p>
+            <a:pPr algn="ctr"/>
+            <a:endParaRPr lang="en-US" altLang="zh-CN" dirty="0" smtClean="0"/>
+          </a:p>
+          <a:p>
+            <a:pPr algn="ctr"/>
+            <a:endParaRPr lang="en-US" altLang="zh-CN" dirty="0"/>
+          </a:p>
+        </p:txBody>
+      </p:sp>
+      <p:sp>
+        <p:nvSpPr>
+          <p:cNvPr id="7" name="Rounded Rectangle 6"/>
+          <p:cNvSpPr/>
+          <p:nvPr/>
+        </p:nvSpPr>
+        <p:spPr>
+          <a:xfrm>
+            <a:off x="776368" y="1328872"/>
+            <a:ext cx="1440160" cy="346572"/>
+          </a:xfrm>
+          <a:prstGeom prst="roundRect">
+            <a:avLst/>
+          </a:prstGeom>
+        </p:spPr>
+        <p:style>
+          <a:lnRef idx="1">
+            <a:schemeClr val="accent4"/>
+          </a:lnRef>
+          <a:fillRef idx="2">
+            <a:schemeClr val="accent4"/>
+          </a:fillRef>
+          <a:effectRef idx="1">
+            <a:schemeClr val="accent4"/>
+          </a:effectRef>
+          <a:fontRef idx="minor">
+            <a:schemeClr val="dk1"/>
+          </a:fontRef>
+        </p:style>
+        <p:txBody>
+          <a:bodyPr rtlCol="0" anchor="ctr"/>
+          <a:lstStyle/>
+          <a:p>
+            <a:pPr algn="ctr"/>
+            <a:r>
+              <a:rPr lang="zh-CN" altLang="en-US" dirty="0" smtClean="0"/>
+              <a:t>主下拉菜单</a:t>
+            </a:r>
+            <a:endParaRPr lang="zh-CN" altLang="en-US" dirty="0"/>
+          </a:p>
+        </p:txBody>
+      </p:sp>
+      <p:sp>
+        <p:nvSpPr>
+          <p:cNvPr id="8" name="Rounded Rectangle 7"/>
+          <p:cNvSpPr/>
+          <p:nvPr/>
+        </p:nvSpPr>
+        <p:spPr>
+          <a:xfrm>
+            <a:off x="809582" y="2558331"/>
+            <a:ext cx="1440160" cy="720080"/>
+          </a:xfrm>
+          <a:prstGeom prst="roundRect">
+            <a:avLst/>
+          </a:prstGeom>
+        </p:spPr>
+        <p:style>
+          <a:lnRef idx="1">
+            <a:schemeClr val="accent5"/>
+          </a:lnRef>
+          <a:fillRef idx="2">
+            <a:schemeClr val="accent5"/>
+          </a:fillRef>
+          <a:effectRef idx="1">
+            <a:schemeClr val="accent5"/>
+          </a:effectRef>
+          <a:fontRef idx="minor">
+            <a:schemeClr val="dk1"/>
+          </a:fontRef>
+        </p:style>
+        <p:txBody>
+          <a:bodyPr rtlCol="0" anchor="ctr"/>
+          <a:lstStyle/>
+          <a:p>
+            <a:pPr algn="ctr"/>
+            <a:r>
+              <a:rPr lang="en-US" altLang="zh-CN" dirty="0" smtClean="0"/>
+              <a:t>AutoCAD</a:t>
+            </a:r>
+          </a:p>
+          <a:p>
+            <a:pPr algn="ctr"/>
+            <a:r>
+              <a:rPr lang="zh-CN" altLang="en-US" dirty="0"/>
+              <a:t>编</a:t>
+            </a:r>
+            <a:r>
+              <a:rPr lang="zh-CN" altLang="en-US" dirty="0" smtClean="0"/>
+              <a:t>辑系统</a:t>
+            </a:r>
+            <a:endParaRPr lang="zh-CN" altLang="en-US" dirty="0"/>
+          </a:p>
+        </p:txBody>
+      </p:sp>
+      <p:sp>
+        <p:nvSpPr>
+          <p:cNvPr id="10" name="Rounded Rectangle 9"/>
+          <p:cNvSpPr/>
+          <p:nvPr/>
+        </p:nvSpPr>
+        <p:spPr>
+          <a:xfrm>
+            <a:off x="4819526" y="5211389"/>
+            <a:ext cx="1840705" cy="1080120"/>
+          </a:xfrm>
+          <a:prstGeom prst="roundRect">
+            <a:avLst/>
+          </a:prstGeom>
+        </p:spPr>
+        <p:style>
+          <a:lnRef idx="2">
+            <a:schemeClr val="accent1">
+              <a:shade val="50000"/>
+            </a:schemeClr>
+          </a:lnRef>
+          <a:fillRef idx="1">
+            <a:schemeClr val="accent1"/>
+          </a:fillRef>
+          <a:effectRef idx="0">
+            <a:schemeClr val="accent1"/>
+          </a:effectRef>
+          <a:fontRef idx="minor">
+            <a:schemeClr val="lt1"/>
+          </a:fontRef>
+        </p:style>
+        <p:txBody>
+          <a:bodyPr rtlCol="0" anchor="ctr"/>
+          <a:lstStyle/>
+          <a:p>
+            <a:pPr algn="ctr"/>
+            <a:r>
+              <a:rPr lang="en-US" altLang="zh-CN" dirty="0" smtClean="0"/>
+              <a:t>DWG </a:t>
+            </a:r>
+            <a:r>
+              <a:rPr lang="zh-CN" altLang="en-US" dirty="0" smtClean="0"/>
+              <a:t>数据文件</a:t>
+            </a:r>
+            <a:endParaRPr lang="en-US" altLang="zh-CN" dirty="0" smtClean="0"/>
+          </a:p>
+          <a:p>
+            <a:pPr algn="ctr"/>
+            <a:endParaRPr lang="en-US" altLang="zh-CN" dirty="0"/>
+          </a:p>
+          <a:p>
+            <a:pPr algn="ctr"/>
+            <a:endParaRPr lang="zh-CN" altLang="en-US" dirty="0"/>
+          </a:p>
+        </p:txBody>
+      </p:sp>
+      <p:sp>
+        <p:nvSpPr>
+          <p:cNvPr id="11" name="Rounded Rectangle 10"/>
+          <p:cNvSpPr/>
+          <p:nvPr/>
+        </p:nvSpPr>
+        <p:spPr>
+          <a:xfrm>
+            <a:off x="4988294" y="5770309"/>
+            <a:ext cx="1503167" cy="396044"/>
+          </a:xfrm>
+          <a:prstGeom prst="roundRect">
+            <a:avLst/>
+          </a:prstGeom>
+        </p:spPr>
+        <p:style>
+          <a:lnRef idx="1">
+            <a:schemeClr val="accent6"/>
+          </a:lnRef>
+          <a:fillRef idx="2">
+            <a:schemeClr val="accent6"/>
+          </a:fillRef>
+          <a:effectRef idx="1">
+            <a:schemeClr val="accent6"/>
+          </a:effectRef>
+          <a:fontRef idx="minor">
+            <a:schemeClr val="dk1"/>
+          </a:fontRef>
+        </p:style>
+        <p:txBody>
+          <a:bodyPr rtlCol="0" anchor="ctr"/>
+          <a:lstStyle/>
+          <a:p>
+            <a:pPr algn="ctr"/>
+            <a:r>
+              <a:rPr lang="zh-CN" altLang="en-US" dirty="0" smtClean="0"/>
+              <a:t>实体数据表</a:t>
+            </a:r>
+            <a:endParaRPr lang="zh-CN" altLang="en-US" dirty="0"/>
+          </a:p>
+        </p:txBody>
+      </p:sp>
+      <p:sp>
+        <p:nvSpPr>
+          <p:cNvPr id="12" name="Rounded Rectangle 11"/>
+          <p:cNvSpPr/>
+          <p:nvPr/>
+        </p:nvSpPr>
+        <p:spPr>
+          <a:xfrm>
+            <a:off x="8748464" y="5489848"/>
+            <a:ext cx="1800200" cy="1368152"/>
+          </a:xfrm>
+          <a:prstGeom prst="roundRect">
+            <a:avLst/>
+          </a:prstGeom>
+        </p:spPr>
+        <p:style>
+          <a:lnRef idx="2">
+            <a:schemeClr val="accent1">
+              <a:shade val="50000"/>
+            </a:schemeClr>
+          </a:lnRef>
+          <a:fillRef idx="1">
+            <a:schemeClr val="accent1"/>
+          </a:fillRef>
+          <a:effectRef idx="0">
+            <a:schemeClr val="accent1"/>
+          </a:effectRef>
+          <a:fontRef idx="minor">
+            <a:schemeClr val="lt1"/>
+          </a:fontRef>
+        </p:style>
+        <p:txBody>
+          <a:bodyPr rtlCol="0" anchor="ctr"/>
+          <a:lstStyle/>
+          <a:p>
+            <a:pPr algn="ctr"/>
+            <a:r>
+              <a:rPr lang="zh-CN" altLang="en-US" sz="2800" b="1" dirty="0" smtClean="0"/>
+              <a:t>打印机</a:t>
+            </a:r>
+            <a:endParaRPr lang="en-US" altLang="zh-CN" sz="2800" b="1" dirty="0" smtClean="0"/>
+          </a:p>
+          <a:p>
+            <a:pPr algn="ctr"/>
+            <a:endParaRPr lang="en-US" altLang="zh-CN" dirty="0"/>
+          </a:p>
+          <a:p>
+            <a:pPr algn="ctr"/>
+            <a:r>
+              <a:rPr lang="zh-CN" altLang="en-US" dirty="0"/>
+              <a:t>结果</a:t>
+            </a:r>
+            <a:r>
+              <a:rPr lang="zh-CN" altLang="en-US" dirty="0" smtClean="0"/>
+              <a:t>打印</a:t>
+            </a:r>
+            <a:endParaRPr lang="zh-CN" altLang="en-US" dirty="0"/>
+          </a:p>
+        </p:txBody>
+      </p:sp>
+      <p:sp>
+        <p:nvSpPr>
+          <p:cNvPr id="13" name="Left-Right Arrow 12"/>
+          <p:cNvSpPr/>
+          <p:nvPr/>
+        </p:nvSpPr>
+        <p:spPr>
+          <a:xfrm>
+            <a:off x="7928290" y="6156889"/>
+            <a:ext cx="720080" cy="269241"/>
+          </a:xfrm>
+          <a:prstGeom prst="leftRightArrow">
+            <a:avLst/>
+          </a:prstGeom>
+        </p:spPr>
+        <p:style>
+          <a:lnRef idx="2">
+            <a:schemeClr val="accent1">
+              <a:shade val="50000"/>
+            </a:schemeClr>
+          </a:lnRef>
+          <a:fillRef idx="1">
+            <a:schemeClr val="accent1"/>
+          </a:fillRef>
+          <a:effectRef idx="0">
+            <a:schemeClr val="accent1"/>
+          </a:effectRef>
+          <a:fontRef idx="minor">
+            <a:schemeClr val="lt1"/>
+          </a:fontRef>
+        </p:style>
+        <p:txBody>
+          <a:bodyPr rtlCol="0" anchor="ctr"/>
+          <a:lstStyle/>
+          <a:p>
+            <a:pPr algn="ctr"/>
+            <a:endParaRPr lang="zh-CN" altLang="en-US"/>
+          </a:p>
+        </p:txBody>
+      </p:sp>
+      <p:sp>
+        <p:nvSpPr>
+          <p:cNvPr id="14" name="Up-Down Arrow 13"/>
+          <p:cNvSpPr/>
+          <p:nvPr/>
+        </p:nvSpPr>
+        <p:spPr>
+          <a:xfrm>
+            <a:off x="3323712" y="5525852"/>
+            <a:ext cx="306034" cy="648072"/>
+          </a:xfrm>
+          <a:prstGeom prst="upDownArrow">
+            <a:avLst/>
+          </a:prstGeom>
+        </p:spPr>
+        <p:style>
+          <a:lnRef idx="2">
+            <a:schemeClr val="accent1">
+              <a:shade val="50000"/>
+            </a:schemeClr>
+          </a:lnRef>
+          <a:fillRef idx="1">
+            <a:schemeClr val="accent1"/>
+          </a:fillRef>
+          <a:effectRef idx="0">
+            <a:schemeClr val="accent1"/>
+          </a:effectRef>
+          <a:fontRef idx="minor">
+            <a:schemeClr val="lt1"/>
+          </a:fontRef>
+        </p:style>
+        <p:txBody>
+          <a:bodyPr rtlCol="0" anchor="ctr"/>
+          <a:lstStyle/>
+          <a:p>
+            <a:pPr algn="ctr"/>
+            <a:endParaRPr lang="zh-CN" altLang="en-US"/>
+          </a:p>
+        </p:txBody>
+      </p:sp>
+      <p:sp>
+        <p:nvSpPr>
+          <p:cNvPr id="16" name="Left-Right Arrow 15"/>
+          <p:cNvSpPr/>
+          <p:nvPr/>
+        </p:nvSpPr>
+        <p:spPr>
+          <a:xfrm>
+            <a:off x="2321750" y="1360476"/>
+            <a:ext cx="450050" cy="314968"/>
+          </a:xfrm>
+          <a:prstGeom prst="leftRightArrow">
+            <a:avLst/>
+          </a:prstGeom>
+        </p:spPr>
+        <p:style>
+          <a:lnRef idx="1">
+            <a:schemeClr val="dk1"/>
+          </a:lnRef>
+          <a:fillRef idx="2">
+            <a:schemeClr val="dk1"/>
+          </a:fillRef>
+          <a:effectRef idx="1">
+            <a:schemeClr val="dk1"/>
+          </a:effectRef>
+          <a:fontRef idx="minor">
+            <a:schemeClr val="dk1"/>
+          </a:fontRef>
+        </p:style>
+        <p:txBody>
+          <a:bodyPr rtlCol="0" anchor="ctr"/>
+          <a:lstStyle/>
+          <a:p>
+            <a:pPr algn="ctr"/>
+            <a:endParaRPr lang="zh-CN" altLang="en-US"/>
+          </a:p>
+        </p:txBody>
+      </p:sp>
+      <p:sp>
+        <p:nvSpPr>
+          <p:cNvPr id="17" name="Left-Right Arrow 16"/>
+          <p:cNvSpPr/>
+          <p:nvPr/>
+        </p:nvSpPr>
+        <p:spPr>
+          <a:xfrm>
+            <a:off x="2330751" y="2010540"/>
+            <a:ext cx="450050" cy="314968"/>
+          </a:xfrm>
+          <a:prstGeom prst="leftRightArrow">
+            <a:avLst/>
+          </a:prstGeom>
+        </p:spPr>
+        <p:style>
+          <a:lnRef idx="1">
+            <a:schemeClr val="dk1"/>
+          </a:lnRef>
+          <a:fillRef idx="2">
+            <a:schemeClr val="dk1"/>
+          </a:fillRef>
+          <a:effectRef idx="1">
+            <a:schemeClr val="dk1"/>
+          </a:effectRef>
+          <a:fontRef idx="minor">
+            <a:schemeClr val="dk1"/>
+          </a:fontRef>
+        </p:style>
+        <p:txBody>
+          <a:bodyPr rtlCol="0" anchor="ctr"/>
+          <a:lstStyle/>
+          <a:p>
+            <a:pPr algn="ctr"/>
+            <a:endParaRPr lang="zh-CN" altLang="en-US"/>
+          </a:p>
+        </p:txBody>
+      </p:sp>
+      <p:sp>
+        <p:nvSpPr>
+          <p:cNvPr id="19" name="Rounded Rectangle 18"/>
+          <p:cNvSpPr/>
+          <p:nvPr/>
+        </p:nvSpPr>
+        <p:spPr>
+          <a:xfrm>
+            <a:off x="751898" y="1958506"/>
+            <a:ext cx="1440160" cy="367002"/>
+          </a:xfrm>
+          <a:prstGeom prst="roundRect">
+            <a:avLst/>
+          </a:prstGeom>
+        </p:spPr>
+        <p:style>
+          <a:lnRef idx="1">
+            <a:schemeClr val="accent4"/>
+          </a:lnRef>
+          <a:fillRef idx="2">
+            <a:schemeClr val="accent4"/>
+          </a:fillRef>
+          <a:effectRef idx="1">
+            <a:schemeClr val="accent4"/>
+          </a:effectRef>
+          <a:fontRef idx="minor">
+            <a:schemeClr val="dk1"/>
+          </a:fontRef>
+        </p:style>
+        <p:txBody>
+          <a:bodyPr rtlCol="0" anchor="ctr"/>
+          <a:lstStyle/>
+          <a:p>
+            <a:pPr algn="ctr"/>
+            <a:r>
+              <a:rPr lang="zh-CN" altLang="en-US" dirty="0" smtClean="0"/>
+              <a:t>右键菜单</a:t>
+            </a:r>
+            <a:endParaRPr lang="zh-CN" altLang="en-US" dirty="0"/>
+          </a:p>
+        </p:txBody>
+      </p:sp>
+      <p:sp>
+        <p:nvSpPr>
+          <p:cNvPr id="20" name="Left-Right Arrow 19"/>
+          <p:cNvSpPr/>
+          <p:nvPr/>
+        </p:nvSpPr>
+        <p:spPr>
+          <a:xfrm>
+            <a:off x="2330751" y="2748669"/>
+            <a:ext cx="450050" cy="314968"/>
+          </a:xfrm>
+          <a:prstGeom prst="leftRightArrow">
+            <a:avLst/>
+          </a:prstGeom>
+        </p:spPr>
+        <p:style>
+          <a:lnRef idx="1">
+            <a:schemeClr val="dk1"/>
+          </a:lnRef>
+          <a:fillRef idx="2">
+            <a:schemeClr val="dk1"/>
+          </a:fillRef>
+          <a:effectRef idx="1">
+            <a:schemeClr val="dk1"/>
+          </a:effectRef>
+          <a:fontRef idx="minor">
+            <a:schemeClr val="dk1"/>
+          </a:fontRef>
+        </p:style>
+        <p:txBody>
+          <a:bodyPr rtlCol="0" anchor="ctr"/>
+          <a:lstStyle/>
+          <a:p>
+            <a:pPr algn="ctr"/>
+            <a:endParaRPr lang="zh-CN" altLang="en-US"/>
+          </a:p>
+        </p:txBody>
+      </p:sp>
+      <p:grpSp>
+        <p:nvGrpSpPr>
+          <p:cNvPr id="2" name="Group 1"/>
+          <p:cNvGrpSpPr/>
+          <p:nvPr/>
+        </p:nvGrpSpPr>
+        <p:grpSpPr>
+          <a:xfrm>
+            <a:off x="2861810" y="1171387"/>
+            <a:ext cx="5598622" cy="3769781"/>
+            <a:chOff x="2861810" y="1171387"/>
+            <a:chExt cx="5598622" cy="3769781"/>
+          </a:xfrm>
+        </p:grpSpPr>
+        <p:sp>
+          <p:nvSpPr>
+            <p:cNvPr id="6" name="Rounded Rectangle 5"/>
+            <p:cNvSpPr/>
+            <p:nvPr/>
+          </p:nvSpPr>
+          <p:spPr>
+            <a:xfrm>
+              <a:off x="2861810" y="1171387"/>
+              <a:ext cx="5598622" cy="3769781"/>
+            </a:xfrm>
+            <a:prstGeom prst="roundRect">
+              <a:avLst/>
+            </a:prstGeom>
+          </p:spPr>
+          <p:style>
+            <a:lnRef idx="1">
+              <a:schemeClr val="accent3"/>
+            </a:lnRef>
+            <a:fillRef idx="2">
+              <a:schemeClr val="accent3"/>
+            </a:fillRef>
+            <a:effectRef idx="1">
+              <a:schemeClr val="accent3"/>
+            </a:effectRef>
+            <a:fontRef idx="minor">
+              <a:schemeClr val="dk1"/>
+            </a:fontRef>
+          </p:style>
+          <p:txBody>
+            <a:bodyPr rtlCol="0" anchor="ctr"/>
+            <a:lstStyle/>
+            <a:p>
+              <a:pPr algn="ctr"/>
+              <a:r>
+                <a:rPr lang="zh-CN" altLang="en-US" sz="2000" b="1" dirty="0"/>
+                <a:t>决</a:t>
+              </a:r>
+              <a:r>
+                <a:rPr lang="zh-CN" altLang="en-US" sz="2000" b="1" dirty="0" smtClean="0"/>
+                <a:t>策辅助系统</a:t>
+              </a:r>
+              <a:endParaRPr lang="en-US" altLang="zh-CN" sz="2000" b="1" dirty="0" smtClean="0"/>
+            </a:p>
+            <a:p>
+              <a:pPr algn="ctr"/>
+              <a:endParaRPr lang="en-US" altLang="zh-CN" sz="2000" b="1" dirty="0"/>
+            </a:p>
+            <a:p>
+              <a:pPr algn="ctr"/>
+              <a:endParaRPr lang="en-US" altLang="zh-CN" sz="2000" b="1" dirty="0" smtClean="0"/>
+            </a:p>
+            <a:p>
+              <a:pPr algn="ctr"/>
+              <a:endParaRPr lang="en-US" altLang="zh-CN" sz="2000" b="1" dirty="0"/>
+            </a:p>
+            <a:p>
+              <a:pPr algn="ctr"/>
+              <a:endParaRPr lang="en-US" altLang="zh-CN" sz="2000" b="1" dirty="0" smtClean="0"/>
+            </a:p>
+            <a:p>
+              <a:pPr algn="ctr"/>
+              <a:endParaRPr lang="en-US" altLang="zh-CN" dirty="0"/>
+            </a:p>
+            <a:p>
+              <a:pPr algn="ctr"/>
+              <a:endParaRPr lang="en-US" altLang="zh-CN" dirty="0" smtClean="0"/>
+            </a:p>
+            <a:p>
+              <a:pPr algn="ctr"/>
+              <a:endParaRPr lang="en-US" altLang="zh-CN" dirty="0"/>
+            </a:p>
+            <a:p>
+              <a:pPr algn="ctr"/>
+              <a:endParaRPr lang="en-US" altLang="zh-CN" dirty="0" smtClean="0"/>
+            </a:p>
+            <a:p>
+              <a:pPr algn="ctr"/>
+              <a:endParaRPr lang="zh-CN" altLang="en-US" dirty="0"/>
+            </a:p>
+          </p:txBody>
+        </p:sp>
+        <p:sp>
+          <p:nvSpPr>
+            <p:cNvPr id="9" name="Rounded Rectangle 8"/>
+            <p:cNvSpPr/>
+            <p:nvPr/>
+          </p:nvSpPr>
+          <p:spPr>
+            <a:xfrm>
+              <a:off x="3059103" y="2188608"/>
+              <a:ext cx="1575903" cy="2032480"/>
+            </a:xfrm>
+            <a:prstGeom prst="roundRect">
+              <a:avLst/>
+            </a:prstGeom>
+          </p:spPr>
+          <p:style>
+            <a:lnRef idx="2">
+              <a:schemeClr val="accent1">
+                <a:shade val="50000"/>
+              </a:schemeClr>
+            </a:lnRef>
+            <a:fillRef idx="1">
+              <a:schemeClr val="accent1"/>
+            </a:fillRef>
+            <a:effectRef idx="0">
+              <a:schemeClr val="accent1"/>
+            </a:effectRef>
+            <a:fontRef idx="minor">
+              <a:schemeClr val="lt1"/>
+            </a:fontRef>
+          </p:style>
+          <p:txBody>
+            <a:bodyPr rtlCol="0" anchor="ctr"/>
+            <a:lstStyle/>
+            <a:p>
+              <a:pPr algn="ctr"/>
+              <a:r>
+                <a:rPr lang="zh-CN" altLang="en-US" dirty="0"/>
+                <a:t>数</a:t>
+              </a:r>
+              <a:r>
+                <a:rPr lang="zh-CN" altLang="en-US" dirty="0" smtClean="0"/>
+                <a:t>据配置</a:t>
+              </a:r>
+              <a:endParaRPr lang="en-US" altLang="zh-CN" dirty="0" smtClean="0"/>
+            </a:p>
+            <a:p>
+              <a:pPr algn="ctr"/>
+              <a:endParaRPr lang="en-US" altLang="zh-CN" dirty="0"/>
+            </a:p>
+            <a:p>
+              <a:pPr algn="ctr"/>
+              <a:endParaRPr lang="en-US" altLang="zh-CN" dirty="0" smtClean="0"/>
+            </a:p>
+            <a:p>
+              <a:pPr algn="ctr"/>
+              <a:endParaRPr lang="en-US" altLang="zh-CN" dirty="0"/>
+            </a:p>
+            <a:p>
+              <a:pPr algn="ctr"/>
+              <a:endParaRPr lang="en-US" altLang="zh-CN" dirty="0" smtClean="0"/>
+            </a:p>
+            <a:p>
+              <a:pPr algn="ctr"/>
+              <a:endParaRPr lang="en-US" altLang="zh-CN" dirty="0" smtClean="0"/>
+            </a:p>
+          </p:txBody>
+        </p:sp>
+        <p:sp>
+          <p:nvSpPr>
+            <p:cNvPr id="21" name="Rounded Rectangle 20"/>
+            <p:cNvSpPr/>
+            <p:nvPr/>
+          </p:nvSpPr>
+          <p:spPr>
+            <a:xfrm>
+              <a:off x="3336279" y="2825166"/>
+              <a:ext cx="1017113" cy="246197"/>
+            </a:xfrm>
+            <a:prstGeom prst="roundRect">
+              <a:avLst/>
+            </a:prstGeom>
+          </p:spPr>
+          <p:style>
+            <a:lnRef idx="1">
+              <a:schemeClr val="accent6"/>
+            </a:lnRef>
+            <a:fillRef idx="2">
+              <a:schemeClr val="accent6"/>
+            </a:fillRef>
+            <a:effectRef idx="1">
+              <a:schemeClr val="accent6"/>
+            </a:effectRef>
+            <a:fontRef idx="minor">
+              <a:schemeClr val="dk1"/>
+            </a:fontRef>
+          </p:style>
+          <p:txBody>
+            <a:bodyPr rtlCol="0" anchor="ctr"/>
+            <a:lstStyle/>
+            <a:p>
+              <a:pPr algn="ctr"/>
+              <a:r>
+                <a:rPr lang="zh-CN" altLang="en-US" sz="1400" dirty="0"/>
+                <a:t>类</a:t>
+              </a:r>
+              <a:r>
+                <a:rPr lang="zh-CN" altLang="en-US" sz="1400" dirty="0" smtClean="0"/>
+                <a:t>型配置</a:t>
+              </a:r>
+              <a:endParaRPr lang="zh-CN" altLang="en-US" sz="1400" dirty="0"/>
+            </a:p>
+          </p:txBody>
+        </p:sp>
+        <p:sp>
+          <p:nvSpPr>
+            <p:cNvPr id="22" name="Rounded Rectangle 21"/>
+            <p:cNvSpPr/>
+            <p:nvPr/>
+          </p:nvSpPr>
+          <p:spPr>
+            <a:xfrm>
+              <a:off x="3336278" y="3206946"/>
+              <a:ext cx="1017113" cy="246197"/>
+            </a:xfrm>
+            <a:prstGeom prst="roundRect">
+              <a:avLst/>
+            </a:prstGeom>
+          </p:spPr>
+          <p:style>
+            <a:lnRef idx="1">
+              <a:schemeClr val="accent6"/>
+            </a:lnRef>
+            <a:fillRef idx="2">
+              <a:schemeClr val="accent6"/>
+            </a:fillRef>
+            <a:effectRef idx="1">
+              <a:schemeClr val="accent6"/>
+            </a:effectRef>
+            <a:fontRef idx="minor">
+              <a:schemeClr val="dk1"/>
+            </a:fontRef>
+          </p:style>
+          <p:txBody>
+            <a:bodyPr rtlCol="0" anchor="ctr"/>
+            <a:lstStyle/>
+            <a:p>
+              <a:pPr algn="ctr"/>
+              <a:r>
+                <a:rPr lang="zh-CN" altLang="en-US" sz="1400" dirty="0" smtClean="0"/>
+                <a:t>数据保存</a:t>
+              </a:r>
+              <a:endParaRPr lang="zh-CN" altLang="en-US" sz="1400" dirty="0"/>
+            </a:p>
+          </p:txBody>
+        </p:sp>
+        <p:sp>
+          <p:nvSpPr>
+            <p:cNvPr id="23" name="Rounded Rectangle 22"/>
+            <p:cNvSpPr/>
+            <p:nvPr/>
+          </p:nvSpPr>
+          <p:spPr>
+            <a:xfrm>
+              <a:off x="3336277" y="3605543"/>
+              <a:ext cx="1017113" cy="246197"/>
+            </a:xfrm>
+            <a:prstGeom prst="roundRect">
+              <a:avLst/>
+            </a:prstGeom>
+          </p:spPr>
+          <p:style>
+            <a:lnRef idx="1">
+              <a:schemeClr val="accent6"/>
+            </a:lnRef>
+            <a:fillRef idx="2">
+              <a:schemeClr val="accent6"/>
+            </a:fillRef>
+            <a:effectRef idx="1">
+              <a:schemeClr val="accent6"/>
+            </a:effectRef>
+            <a:fontRef idx="minor">
+              <a:schemeClr val="dk1"/>
+            </a:fontRef>
+          </p:style>
+          <p:txBody>
+            <a:bodyPr rtlCol="0" anchor="ctr"/>
+            <a:lstStyle/>
+            <a:p>
+              <a:pPr algn="ctr"/>
+              <a:r>
+                <a:rPr lang="zh-CN" altLang="en-US" sz="1400" dirty="0" smtClean="0"/>
+                <a:t>导入导出</a:t>
+              </a:r>
+              <a:endParaRPr lang="zh-CN" altLang="en-US" sz="1400" dirty="0"/>
+            </a:p>
+          </p:txBody>
+        </p:sp>
+        <p:sp>
+          <p:nvSpPr>
+            <p:cNvPr id="24" name="Rounded Rectangle 23"/>
+            <p:cNvSpPr/>
+            <p:nvPr/>
+          </p:nvSpPr>
+          <p:spPr>
+            <a:xfrm>
+              <a:off x="4860032" y="2188608"/>
+              <a:ext cx="1575903" cy="2536536"/>
+            </a:xfrm>
+            <a:prstGeom prst="roundRect">
+              <a:avLst/>
+            </a:prstGeom>
+          </p:spPr>
+          <p:style>
+            <a:lnRef idx="2">
+              <a:schemeClr val="accent1">
+                <a:shade val="50000"/>
+              </a:schemeClr>
+            </a:lnRef>
+            <a:fillRef idx="1">
+              <a:schemeClr val="accent1"/>
+            </a:fillRef>
+            <a:effectRef idx="0">
+              <a:schemeClr val="accent1"/>
+            </a:effectRef>
+            <a:fontRef idx="minor">
+              <a:schemeClr val="lt1"/>
+            </a:fontRef>
+          </p:style>
+          <p:txBody>
+            <a:bodyPr rtlCol="0" anchor="ctr"/>
+            <a:lstStyle/>
+            <a:p>
+              <a:pPr algn="ctr"/>
+              <a:r>
+                <a:rPr lang="zh-CN" altLang="en-US" dirty="0" smtClean="0"/>
+                <a:t>管线录入</a:t>
+              </a:r>
+              <a:endParaRPr lang="en-US" altLang="zh-CN" dirty="0" smtClean="0"/>
+            </a:p>
+            <a:p>
+              <a:pPr algn="ctr"/>
+              <a:endParaRPr lang="en-US" altLang="zh-CN" dirty="0"/>
+            </a:p>
+            <a:p>
+              <a:pPr algn="ctr"/>
+              <a:endParaRPr lang="en-US" altLang="zh-CN" dirty="0" smtClean="0"/>
+            </a:p>
+            <a:p>
+              <a:pPr algn="ctr"/>
+              <a:endParaRPr lang="en-US" altLang="zh-CN" dirty="0"/>
+            </a:p>
+            <a:p>
+              <a:pPr algn="ctr"/>
+              <a:endParaRPr lang="en-US" altLang="zh-CN" dirty="0" smtClean="0"/>
+            </a:p>
+            <a:p>
+              <a:pPr algn="ctr"/>
+              <a:endParaRPr lang="en-US" altLang="zh-CN" dirty="0"/>
+            </a:p>
+            <a:p>
+              <a:pPr algn="ctr"/>
+              <a:endParaRPr lang="en-US" altLang="zh-CN" dirty="0" smtClean="0"/>
+            </a:p>
+            <a:p>
+              <a:pPr algn="ctr"/>
+              <a:endParaRPr lang="en-US" altLang="zh-CN" dirty="0" smtClean="0"/>
+            </a:p>
+          </p:txBody>
+        </p:sp>
+        <p:sp>
+          <p:nvSpPr>
+            <p:cNvPr id="25" name="Rounded Rectangle 24"/>
+            <p:cNvSpPr/>
+            <p:nvPr/>
+          </p:nvSpPr>
+          <p:spPr>
+            <a:xfrm>
+              <a:off x="5137208" y="2825166"/>
+              <a:ext cx="1017113" cy="246197"/>
+            </a:xfrm>
+            <a:prstGeom prst="roundRect">
+              <a:avLst/>
+            </a:prstGeom>
+          </p:spPr>
+          <p:style>
+            <a:lnRef idx="1">
+              <a:schemeClr val="accent6"/>
+            </a:lnRef>
+            <a:fillRef idx="2">
+              <a:schemeClr val="accent6"/>
+            </a:fillRef>
+            <a:effectRef idx="1">
+              <a:schemeClr val="accent6"/>
+            </a:effectRef>
+            <a:fontRef idx="minor">
+              <a:schemeClr val="dk1"/>
+            </a:fontRef>
+          </p:style>
+          <p:txBody>
+            <a:bodyPr rtlCol="0" anchor="ctr"/>
+            <a:lstStyle/>
+            <a:p>
+              <a:pPr algn="ctr"/>
+              <a:r>
+                <a:rPr lang="zh-CN" altLang="en-US" sz="1400" dirty="0" smtClean="0"/>
+                <a:t>数据录入</a:t>
+              </a:r>
+              <a:endParaRPr lang="zh-CN" altLang="en-US" sz="1400" dirty="0"/>
+            </a:p>
+          </p:txBody>
+        </p:sp>
+        <p:sp>
+          <p:nvSpPr>
+            <p:cNvPr id="26" name="Rounded Rectangle 25"/>
+            <p:cNvSpPr/>
+            <p:nvPr/>
+          </p:nvSpPr>
+          <p:spPr>
+            <a:xfrm>
+              <a:off x="5137207" y="3206946"/>
+              <a:ext cx="1017113" cy="246197"/>
+            </a:xfrm>
+            <a:prstGeom prst="roundRect">
+              <a:avLst/>
+            </a:prstGeom>
+          </p:spPr>
+          <p:style>
+            <a:lnRef idx="1">
+              <a:schemeClr val="accent6"/>
+            </a:lnRef>
+            <a:fillRef idx="2">
+              <a:schemeClr val="accent6"/>
+            </a:fillRef>
+            <a:effectRef idx="1">
+              <a:schemeClr val="accent6"/>
+            </a:effectRef>
+            <a:fontRef idx="minor">
+              <a:schemeClr val="dk1"/>
+            </a:fontRef>
+          </p:style>
+          <p:txBody>
+            <a:bodyPr rtlCol="0" anchor="ctr"/>
+            <a:lstStyle/>
+            <a:p>
+              <a:pPr algn="ctr"/>
+              <a:r>
+                <a:rPr lang="en-US" altLang="zh-CN" sz="1400" dirty="0" smtClean="0"/>
+                <a:t>3D</a:t>
+              </a:r>
+              <a:r>
+                <a:rPr lang="zh-CN" altLang="en-US" sz="1400" dirty="0" smtClean="0"/>
+                <a:t>建模</a:t>
+              </a:r>
+              <a:endParaRPr lang="zh-CN" altLang="en-US" sz="1400" dirty="0"/>
+            </a:p>
+          </p:txBody>
+        </p:sp>
+        <p:sp>
+          <p:nvSpPr>
+            <p:cNvPr id="27" name="Rounded Rectangle 26"/>
+            <p:cNvSpPr/>
+            <p:nvPr/>
+          </p:nvSpPr>
+          <p:spPr>
+            <a:xfrm>
+              <a:off x="5137206" y="3605543"/>
+              <a:ext cx="1017113" cy="246197"/>
+            </a:xfrm>
+            <a:prstGeom prst="roundRect">
+              <a:avLst/>
+            </a:prstGeom>
+          </p:spPr>
+          <p:style>
+            <a:lnRef idx="1">
+              <a:schemeClr val="accent6"/>
+            </a:lnRef>
+            <a:fillRef idx="2">
+              <a:schemeClr val="accent6"/>
+            </a:fillRef>
+            <a:effectRef idx="1">
+              <a:schemeClr val="accent6"/>
+            </a:effectRef>
+            <a:fontRef idx="minor">
+              <a:schemeClr val="dk1"/>
+            </a:fontRef>
+          </p:style>
+          <p:txBody>
+            <a:bodyPr rtlCol="0" anchor="ctr"/>
+            <a:lstStyle/>
+            <a:p>
+              <a:pPr algn="ctr"/>
+              <a:r>
+                <a:rPr lang="zh-CN" altLang="en-US" sz="1400" dirty="0" smtClean="0"/>
+                <a:t>数据保存</a:t>
+              </a:r>
+              <a:endParaRPr lang="zh-CN" altLang="en-US" sz="1400" dirty="0"/>
+            </a:p>
+          </p:txBody>
+        </p:sp>
+        <p:sp>
+          <p:nvSpPr>
+            <p:cNvPr id="28" name="Rounded Rectangle 27"/>
+            <p:cNvSpPr/>
+            <p:nvPr/>
+          </p:nvSpPr>
+          <p:spPr>
+            <a:xfrm>
+              <a:off x="5116560" y="3989173"/>
+              <a:ext cx="1017113" cy="246197"/>
+            </a:xfrm>
+            <a:prstGeom prst="roundRect">
+              <a:avLst/>
+            </a:prstGeom>
+          </p:spPr>
+          <p:style>
+            <a:lnRef idx="1">
+              <a:schemeClr val="accent6"/>
+            </a:lnRef>
+            <a:fillRef idx="2">
+              <a:schemeClr val="accent6"/>
+            </a:fillRef>
+            <a:effectRef idx="1">
+              <a:schemeClr val="accent6"/>
+            </a:effectRef>
+            <a:fontRef idx="minor">
+              <a:schemeClr val="dk1"/>
+            </a:fontRef>
+          </p:style>
+          <p:txBody>
+            <a:bodyPr rtlCol="0" anchor="ctr"/>
+            <a:lstStyle/>
+            <a:p>
+              <a:pPr algn="ctr"/>
+              <a:r>
+                <a:rPr lang="zh-CN" altLang="en-US" sz="1400" dirty="0" smtClean="0"/>
+                <a:t>数据打印</a:t>
+              </a:r>
+              <a:endParaRPr lang="zh-CN" altLang="en-US" sz="1400" dirty="0"/>
+            </a:p>
+          </p:txBody>
+        </p:sp>
+        <p:sp>
+          <p:nvSpPr>
+            <p:cNvPr id="29" name="Rounded Rectangle 28"/>
+            <p:cNvSpPr/>
+            <p:nvPr/>
+          </p:nvSpPr>
+          <p:spPr>
+            <a:xfrm>
+              <a:off x="5137205" y="4335583"/>
+              <a:ext cx="1017113" cy="246197"/>
+            </a:xfrm>
+            <a:prstGeom prst="roundRect">
+              <a:avLst/>
+            </a:prstGeom>
+          </p:spPr>
+          <p:style>
+            <a:lnRef idx="1">
+              <a:schemeClr val="accent6"/>
+            </a:lnRef>
+            <a:fillRef idx="2">
+              <a:schemeClr val="accent6"/>
+            </a:fillRef>
+            <a:effectRef idx="1">
+              <a:schemeClr val="accent6"/>
+            </a:effectRef>
+            <a:fontRef idx="minor">
+              <a:schemeClr val="dk1"/>
+            </a:fontRef>
+          </p:style>
+          <p:txBody>
+            <a:bodyPr rtlCol="0" anchor="ctr"/>
+            <a:lstStyle/>
+            <a:p>
+              <a:pPr algn="ctr"/>
+              <a:r>
+                <a:rPr lang="zh-CN" altLang="en-US" sz="1400" dirty="0" smtClean="0"/>
+                <a:t>导入导出</a:t>
+              </a:r>
+              <a:endParaRPr lang="zh-CN" altLang="en-US" sz="1400" dirty="0"/>
+            </a:p>
+          </p:txBody>
+        </p:sp>
+        <p:sp>
+          <p:nvSpPr>
+            <p:cNvPr id="30" name="Rounded Rectangle 29"/>
+            <p:cNvSpPr/>
+            <p:nvPr/>
+          </p:nvSpPr>
+          <p:spPr>
+            <a:xfrm>
+              <a:off x="6660232" y="2220058"/>
+              <a:ext cx="1575903" cy="2536536"/>
+            </a:xfrm>
+            <a:prstGeom prst="roundRect">
+              <a:avLst/>
+            </a:prstGeom>
+          </p:spPr>
+          <p:style>
+            <a:lnRef idx="2">
+              <a:schemeClr val="accent1">
+                <a:shade val="50000"/>
+              </a:schemeClr>
+            </a:lnRef>
+            <a:fillRef idx="1">
+              <a:schemeClr val="accent1"/>
+            </a:fillRef>
+            <a:effectRef idx="0">
+              <a:schemeClr val="accent1"/>
+            </a:effectRef>
+            <a:fontRef idx="minor">
+              <a:schemeClr val="lt1"/>
+            </a:fontRef>
+          </p:style>
+          <p:txBody>
+            <a:bodyPr rtlCol="0" anchor="ctr"/>
+            <a:lstStyle/>
+            <a:p>
+              <a:pPr algn="ctr"/>
+              <a:r>
+                <a:rPr lang="zh-CN" altLang="en-US" dirty="0" smtClean="0"/>
+                <a:t>辅助操作</a:t>
+              </a:r>
+              <a:endParaRPr lang="en-US" altLang="zh-CN" dirty="0" smtClean="0"/>
+            </a:p>
+            <a:p>
+              <a:pPr algn="ctr"/>
+              <a:endParaRPr lang="en-US" altLang="zh-CN" dirty="0"/>
+            </a:p>
+            <a:p>
+              <a:pPr algn="ctr"/>
+              <a:endParaRPr lang="en-US" altLang="zh-CN" dirty="0" smtClean="0"/>
+            </a:p>
+            <a:p>
+              <a:pPr algn="ctr"/>
+              <a:endParaRPr lang="en-US" altLang="zh-CN" dirty="0"/>
+            </a:p>
+            <a:p>
+              <a:pPr algn="ctr"/>
+              <a:endParaRPr lang="en-US" altLang="zh-CN" dirty="0" smtClean="0"/>
+            </a:p>
+            <a:p>
+              <a:pPr algn="ctr"/>
+              <a:endParaRPr lang="en-US" altLang="zh-CN" dirty="0"/>
+            </a:p>
+            <a:p>
+              <a:pPr algn="ctr"/>
+              <a:endParaRPr lang="en-US" altLang="zh-CN" dirty="0" smtClean="0"/>
+            </a:p>
+            <a:p>
+              <a:pPr algn="ctr"/>
+              <a:endParaRPr lang="en-US" altLang="zh-CN" dirty="0" smtClean="0"/>
+            </a:p>
+          </p:txBody>
+        </p:sp>
+        <p:sp>
+          <p:nvSpPr>
+            <p:cNvPr id="31" name="Rounded Rectangle 30"/>
+            <p:cNvSpPr/>
+            <p:nvPr/>
+          </p:nvSpPr>
+          <p:spPr>
+            <a:xfrm>
+              <a:off x="6937408" y="2856616"/>
+              <a:ext cx="1017113" cy="246197"/>
+            </a:xfrm>
+            <a:prstGeom prst="roundRect">
+              <a:avLst/>
+            </a:prstGeom>
+          </p:spPr>
+          <p:style>
+            <a:lnRef idx="1">
+              <a:schemeClr val="accent6"/>
+            </a:lnRef>
+            <a:fillRef idx="2">
+              <a:schemeClr val="accent6"/>
+            </a:fillRef>
+            <a:effectRef idx="1">
+              <a:schemeClr val="accent6"/>
+            </a:effectRef>
+            <a:fontRef idx="minor">
+              <a:schemeClr val="dk1"/>
+            </a:fontRef>
+          </p:style>
+          <p:txBody>
+            <a:bodyPr rtlCol="0" anchor="ctr"/>
+            <a:lstStyle/>
+            <a:p>
+              <a:pPr algn="ctr"/>
+              <a:r>
+                <a:rPr lang="zh-CN" altLang="en-US" sz="1400" dirty="0"/>
+                <a:t>平</a:t>
+              </a:r>
+              <a:r>
+                <a:rPr lang="zh-CN" altLang="en-US" sz="1400" dirty="0" smtClean="0"/>
+                <a:t>面切图</a:t>
+              </a:r>
+              <a:endParaRPr lang="zh-CN" altLang="en-US" sz="1400" dirty="0"/>
+            </a:p>
+          </p:txBody>
+        </p:sp>
+        <p:sp>
+          <p:nvSpPr>
+            <p:cNvPr id="32" name="Rounded Rectangle 31"/>
+            <p:cNvSpPr/>
+            <p:nvPr/>
+          </p:nvSpPr>
+          <p:spPr>
+            <a:xfrm>
+              <a:off x="6937407" y="3238396"/>
+              <a:ext cx="1017113" cy="246197"/>
+            </a:xfrm>
+            <a:prstGeom prst="roundRect">
+              <a:avLst/>
+            </a:prstGeom>
+          </p:spPr>
+          <p:style>
+            <a:lnRef idx="1">
+              <a:schemeClr val="accent6"/>
+            </a:lnRef>
+            <a:fillRef idx="2">
+              <a:schemeClr val="accent6"/>
+            </a:fillRef>
+            <a:effectRef idx="1">
+              <a:schemeClr val="accent6"/>
+            </a:effectRef>
+            <a:fontRef idx="minor">
+              <a:schemeClr val="dk1"/>
+            </a:fontRef>
+          </p:style>
+          <p:txBody>
+            <a:bodyPr rtlCol="0" anchor="ctr"/>
+            <a:lstStyle/>
+            <a:p>
+              <a:pPr algn="ctr"/>
+              <a:r>
+                <a:rPr lang="zh-CN" altLang="en-US" sz="1400" dirty="0" smtClean="0"/>
+                <a:t>侵限判断</a:t>
+              </a:r>
+              <a:endParaRPr lang="zh-CN" altLang="en-US" sz="1400" dirty="0"/>
+            </a:p>
+          </p:txBody>
+        </p:sp>
+        <p:sp>
+          <p:nvSpPr>
+            <p:cNvPr id="33" name="Rounded Rectangle 32"/>
+            <p:cNvSpPr/>
+            <p:nvPr/>
+          </p:nvSpPr>
+          <p:spPr>
+            <a:xfrm>
+              <a:off x="6937406" y="3636993"/>
+              <a:ext cx="1017113" cy="246197"/>
+            </a:xfrm>
+            <a:prstGeom prst="roundRect">
+              <a:avLst/>
+            </a:prstGeom>
+          </p:spPr>
+          <p:style>
+            <a:lnRef idx="1">
+              <a:schemeClr val="accent6"/>
+            </a:lnRef>
+            <a:fillRef idx="2">
+              <a:schemeClr val="accent6"/>
+            </a:fillRef>
+            <a:effectRef idx="1">
+              <a:schemeClr val="accent6"/>
+            </a:effectRef>
+            <a:fontRef idx="minor">
+              <a:schemeClr val="dk1"/>
+            </a:fontRef>
+          </p:style>
+          <p:txBody>
+            <a:bodyPr rtlCol="0" anchor="ctr"/>
+            <a:lstStyle/>
+            <a:p>
+              <a:pPr algn="ctr"/>
+              <a:r>
+                <a:rPr lang="zh-CN" altLang="en-US" sz="1400" dirty="0"/>
+                <a:t>路由寻找</a:t>
+              </a:r>
+            </a:p>
+          </p:txBody>
+        </p:sp>
+        <p:sp>
+          <p:nvSpPr>
+            <p:cNvPr id="34" name="Rounded Rectangle 33"/>
+            <p:cNvSpPr/>
+            <p:nvPr/>
+          </p:nvSpPr>
+          <p:spPr>
+            <a:xfrm>
+              <a:off x="6916760" y="4020623"/>
+              <a:ext cx="1017113" cy="246197"/>
+            </a:xfrm>
+            <a:prstGeom prst="roundRect">
+              <a:avLst/>
+            </a:prstGeom>
+          </p:spPr>
+          <p:style>
+            <a:lnRef idx="1">
+              <a:schemeClr val="accent6"/>
+            </a:lnRef>
+            <a:fillRef idx="2">
+              <a:schemeClr val="accent6"/>
+            </a:fillRef>
+            <a:effectRef idx="1">
+              <a:schemeClr val="accent6"/>
+            </a:effectRef>
+            <a:fontRef idx="minor">
+              <a:schemeClr val="dk1"/>
+            </a:fontRef>
+          </p:style>
+          <p:txBody>
+            <a:bodyPr rtlCol="0" anchor="ctr"/>
+            <a:lstStyle/>
+            <a:p>
+              <a:pPr algn="ctr"/>
+              <a:r>
+                <a:rPr lang="zh-CN" altLang="en-US" sz="1200" dirty="0" smtClean="0"/>
+                <a:t>位置自适应</a:t>
+              </a:r>
+              <a:endParaRPr lang="zh-CN" altLang="en-US" sz="1200" dirty="0"/>
+            </a:p>
+          </p:txBody>
+        </p:sp>
+        <p:sp>
+          <p:nvSpPr>
+            <p:cNvPr id="35" name="Rounded Rectangle 34"/>
+            <p:cNvSpPr/>
+            <p:nvPr/>
+          </p:nvSpPr>
+          <p:spPr>
+            <a:xfrm>
+              <a:off x="6937405" y="4367033"/>
+              <a:ext cx="1017113" cy="246197"/>
+            </a:xfrm>
+            <a:prstGeom prst="roundRect">
+              <a:avLst/>
+            </a:prstGeom>
+          </p:spPr>
+          <p:style>
+            <a:lnRef idx="1">
+              <a:schemeClr val="accent6"/>
+            </a:lnRef>
+            <a:fillRef idx="2">
+              <a:schemeClr val="accent6"/>
+            </a:fillRef>
+            <a:effectRef idx="1">
+              <a:schemeClr val="accent6"/>
+            </a:effectRef>
+            <a:fontRef idx="minor">
+              <a:schemeClr val="dk1"/>
+            </a:fontRef>
+          </p:style>
+          <p:txBody>
+            <a:bodyPr rtlCol="0" anchor="ctr"/>
+            <a:lstStyle/>
+            <a:p>
+              <a:pPr algn="ctr"/>
+              <a:r>
+                <a:rPr lang="zh-CN" altLang="en-US" sz="1400" dirty="0" smtClean="0"/>
+                <a:t>遮挡视图</a:t>
+              </a:r>
+              <a:endParaRPr lang="zh-CN" altLang="en-US" sz="1400" dirty="0"/>
+            </a:p>
+          </p:txBody>
+        </p:sp>
+      </p:grpSp>
+    </p:spTree>
+    <p:extLst>
+      <p:ext uri="{BB962C8B-B14F-4D97-AF65-F5344CB8AC3E}">
+        <p14:creationId xmlns:p14="http://schemas.microsoft.com/office/powerpoint/2010/main" val="677468661"/>
+      </p:ext>
+    </p:extLst>
+  </p:cSld>
+  <p:clrMapOvr>
+    <a:masterClrMapping/>
+  </p:clrMapOvr>
+</p:sld>
+</file>
+
 <file path=ppt/theme/theme1.xml><?xml version="1.0" encoding="utf-8"?>
 <a:theme xmlns:a="http://schemas.openxmlformats.org/drawingml/2006/main" name="Office Theme">
   <a:themeElements>
